--- a/Chapter 1/L01 - Intro to PHP.pptx
+++ b/Chapter 1/L01 - Intro to PHP.pptx
@@ -29,10 +29,10 @@
     <p:sldId id="1371" r:id="rId20"/>
     <p:sldId id="1373" r:id="rId21"/>
     <p:sldId id="1350" r:id="rId22"/>
-    <p:sldId id="1372" r:id="rId23"/>
-    <p:sldId id="1374" r:id="rId24"/>
-    <p:sldId id="1354" r:id="rId25"/>
-    <p:sldId id="1376" r:id="rId26"/>
+    <p:sldId id="1354" r:id="rId23"/>
+    <p:sldId id="1372" r:id="rId24"/>
+    <p:sldId id="1376" r:id="rId25"/>
+    <p:sldId id="1374" r:id="rId26"/>
     <p:sldId id="1375" r:id="rId27"/>
     <p:sldId id="1356" r:id="rId28"/>
     <p:sldId id="1377" r:id="rId29"/>
@@ -201,10 +201,10 @@
             <p14:sldId id="1371"/>
             <p14:sldId id="1373"/>
             <p14:sldId id="1350"/>
+            <p14:sldId id="1354"/>
             <p14:sldId id="1372"/>
+            <p14:sldId id="1376"/>
             <p14:sldId id="1374"/>
-            <p14:sldId id="1354"/>
-            <p14:sldId id="1376"/>
             <p14:sldId id="1375"/>
             <p14:sldId id="1356"/>
             <p14:sldId id="1377"/>
@@ -390,7 +390,7 @@
               <a:rPr lang="en-US" smtClean="0">
                 <a:latin typeface="Segoe UI" pitchFamily="34" charset="0"/>
               </a:rPr>
-              <a:t>2/4/2018 6:50 PM</a:t>
+              <a:t>2/5/2018 9:39 AM</a:t>
             </a:fld>
             <a:endParaRPr lang="en-US" dirty="0">
               <a:latin typeface="Segoe UI" pitchFamily="34" charset="0"/>
@@ -668,7 +668,7 @@
           <a:p>
             <a:fld id="{79C601B9-5273-467A-8E48-EC9939578C8F}" type="datetime8">
               <a:rPr lang="en-US" smtClean="0"/>
-              <a:t>2/4/2018 6:48 PM</a:t>
+              <a:t>2/5/2018 9:39 AM</a:t>
             </a:fld>
             <a:endParaRPr lang="en-US" dirty="0"/>
           </a:p>
@@ -1054,7 +1054,7 @@
           <a:p>
             <a:fld id="{79C601B9-5273-467A-8E48-EC9939578C8F}" type="datetime8">
               <a:rPr lang="en-US" smtClean="0"/>
-              <a:t>2/4/2018 6:48 PM</a:t>
+              <a:t>2/5/2018 9:39 AM</a:t>
             </a:fld>
             <a:endParaRPr lang="en-US" dirty="0"/>
           </a:p>
@@ -1189,7 +1189,7 @@
           <a:p>
             <a:fld id="{9AB2E0C1-2107-4DA2-BB49-BDF54AED96B7}" type="datetime8">
               <a:rPr lang="en-US" smtClean="0"/>
-              <a:t>2/4/2018 6:48 PM</a:t>
+              <a:t>2/5/2018 9:39 AM</a:t>
             </a:fld>
             <a:endParaRPr lang="en-US" dirty="0"/>
           </a:p>
@@ -1378,7 +1378,7 @@
           <a:p>
             <a:fld id="{9AB2E0C1-2107-4DA2-BB49-BDF54AED96B7}" type="datetime8">
               <a:rPr lang="en-US" smtClean="0"/>
-              <a:t>2/4/2018 6:48 PM</a:t>
+              <a:t>2/5/2018 9:39 AM</a:t>
             </a:fld>
             <a:endParaRPr lang="en-US" dirty="0"/>
           </a:p>
@@ -1519,68 +1519,18 @@
           <a:bodyPr/>
           <a:lstStyle/>
           <a:p>
-            <a:r>
-              <a:rPr lang="en-US" dirty="0"/>
-              <a:t>For</a:t>
-            </a:r>
-            <a:r>
-              <a:rPr lang="en-US" baseline="0" dirty="0"/>
-              <a:t> beginners. LOL</a:t>
-            </a:r>
-            <a:endParaRPr lang="en-US" dirty="0"/>
-          </a:p>
-        </p:txBody>
-      </p:sp>
-      <p:sp>
-        <p:nvSpPr>
-          <p:cNvPr id="4" name="Header Placeholder 3"/>
-          <p:cNvSpPr>
-            <a:spLocks noGrp="1"/>
-          </p:cNvSpPr>
-          <p:nvPr>
-            <p:ph type="hdr" sz="quarter" idx="10"/>
-          </p:nvPr>
-        </p:nvSpPr>
-        <p:spPr/>
-        <p:txBody>
-          <a:bodyPr/>
-          <a:lstStyle/>
-          <a:p>
-            <a:endParaRPr lang="en-US" dirty="0"/>
-          </a:p>
-        </p:txBody>
-      </p:sp>
-      <p:sp>
-        <p:nvSpPr>
-          <p:cNvPr id="6" name="Date Placeholder 5"/>
-          <p:cNvSpPr>
-            <a:spLocks noGrp="1"/>
-          </p:cNvSpPr>
-          <p:nvPr>
-            <p:ph type="dt" idx="12"/>
-          </p:nvPr>
-        </p:nvSpPr>
-        <p:spPr/>
-        <p:txBody>
-          <a:bodyPr/>
-          <a:lstStyle/>
-          <a:p>
-            <a:fld id="{9AB2E0C1-2107-4DA2-BB49-BDF54AED96B7}" type="datetime8">
-              <a:rPr lang="en-US" smtClean="0"/>
-              <a:t>2/4/2018 6:48 PM</a:t>
-            </a:fld>
-            <a:endParaRPr lang="en-US" dirty="0"/>
-          </a:p>
-        </p:txBody>
-      </p:sp>
-      <p:sp>
-        <p:nvSpPr>
-          <p:cNvPr id="7" name="Slide Number Placeholder 6"/>
-          <p:cNvSpPr>
-            <a:spLocks noGrp="1"/>
-          </p:cNvSpPr>
-          <p:nvPr>
-            <p:ph type="sldNum" sz="quarter" idx="13"/>
+            <a:endParaRPr lang="en-US"/>
+          </a:p>
+        </p:txBody>
+      </p:sp>
+      <p:sp>
+        <p:nvSpPr>
+          <p:cNvPr id="6" name="Slide Number Placeholder 5"/>
+          <p:cNvSpPr>
+            <a:spLocks noGrp="1"/>
+          </p:cNvSpPr>
+          <p:nvPr>
+            <p:ph type="sldNum" sz="quarter" idx="12"/>
           </p:nvPr>
         </p:nvSpPr>
         <p:spPr/>
@@ -1599,12 +1549,54 @@
       </p:sp>
       <p:sp>
         <p:nvSpPr>
-          <p:cNvPr id="8" name="Footer Placeholder 7"/>
-          <p:cNvSpPr>
-            <a:spLocks noGrp="1"/>
-          </p:cNvSpPr>
-          <p:nvPr>
-            <p:ph type="ftr" sz="quarter" idx="14"/>
+          <p:cNvPr id="10" name="Date Placeholder 9"/>
+          <p:cNvSpPr>
+            <a:spLocks noGrp="1"/>
+          </p:cNvSpPr>
+          <p:nvPr>
+            <p:ph type="dt" idx="13"/>
+          </p:nvPr>
+        </p:nvSpPr>
+        <p:spPr/>
+        <p:txBody>
+          <a:bodyPr/>
+          <a:lstStyle/>
+          <a:p>
+            <a:fld id="{A48DDB6F-2ACB-4D85-85EB-7238383AEC72}" type="datetime8">
+              <a:rPr lang="en-US" smtClean="0"/>
+              <a:t>2/5/2018 9:39 AM</a:t>
+            </a:fld>
+            <a:endParaRPr lang="en-US" dirty="0"/>
+          </a:p>
+        </p:txBody>
+      </p:sp>
+      <p:sp>
+        <p:nvSpPr>
+          <p:cNvPr id="5" name="Header Placeholder 4"/>
+          <p:cNvSpPr>
+            <a:spLocks noGrp="1"/>
+          </p:cNvSpPr>
+          <p:nvPr>
+            <p:ph type="hdr" sz="quarter" idx="15"/>
+          </p:nvPr>
+        </p:nvSpPr>
+        <p:spPr/>
+        <p:txBody>
+          <a:bodyPr/>
+          <a:lstStyle/>
+          <a:p>
+            <a:endParaRPr lang="en-US" dirty="0"/>
+          </a:p>
+        </p:txBody>
+      </p:sp>
+      <p:sp>
+        <p:nvSpPr>
+          <p:cNvPr id="7" name="Footer Placeholder 6"/>
+          <p:cNvSpPr>
+            <a:spLocks noGrp="1"/>
+          </p:cNvSpPr>
+          <p:nvPr>
+            <p:ph type="ftr" sz="quarter" idx="16"/>
           </p:nvPr>
         </p:nvSpPr>
         <p:spPr/>
@@ -1654,7 +1646,7 @@
     </p:spTree>
     <p:extLst>
       <p:ext uri="{BB962C8B-B14F-4D97-AF65-F5344CB8AC3E}">
-        <p14:creationId xmlns:p14="http://schemas.microsoft.com/office/powerpoint/2010/main" val="1115310856"/>
+        <p14:creationId xmlns:p14="http://schemas.microsoft.com/office/powerpoint/2010/main" val="1812894506"/>
       </p:ext>
     </p:extLst>
   </p:cSld>
@@ -1756,7 +1748,7 @@
           <a:p>
             <a:fld id="{9AB2E0C1-2107-4DA2-BB49-BDF54AED96B7}" type="datetime8">
               <a:rPr lang="en-US" smtClean="0"/>
-              <a:t>2/4/2018 6:48 PM</a:t>
+              <a:t>2/5/2018 9:39 AM</a:t>
             </a:fld>
             <a:endParaRPr lang="en-US" dirty="0"/>
           </a:p>
@@ -1843,7 +1835,7 @@
     </p:spTree>
     <p:extLst>
       <p:ext uri="{BB962C8B-B14F-4D97-AF65-F5344CB8AC3E}">
-        <p14:creationId xmlns:p14="http://schemas.microsoft.com/office/powerpoint/2010/main" val="796720121"/>
+        <p14:creationId xmlns:p14="http://schemas.microsoft.com/office/powerpoint/2010/main" val="1115310856"/>
       </p:ext>
     </p:extLst>
   </p:cSld>
@@ -1942,7 +1934,7 @@
           <a:p>
             <a:fld id="{A48DDB6F-2ACB-4D85-85EB-7238383AEC72}" type="datetime8">
               <a:rPr lang="en-US" smtClean="0"/>
-              <a:t>2/4/2018 6:48 PM</a:t>
+              <a:t>2/5/2018 9:39 AM</a:t>
             </a:fld>
             <a:endParaRPr lang="en-US" dirty="0"/>
           </a:p>
@@ -2024,7 +2016,7 @@
     </p:spTree>
     <p:extLst>
       <p:ext uri="{BB962C8B-B14F-4D97-AF65-F5344CB8AC3E}">
-        <p14:creationId xmlns:p14="http://schemas.microsoft.com/office/powerpoint/2010/main" val="1812894506"/>
+        <p14:creationId xmlns:p14="http://schemas.microsoft.com/office/powerpoint/2010/main" val="790284972"/>
       </p:ext>
     </p:extLst>
   </p:cSld>
@@ -2078,18 +2070,68 @@
           <a:bodyPr/>
           <a:lstStyle/>
           <a:p>
-            <a:endParaRPr lang="en-US"/>
-          </a:p>
-        </p:txBody>
-      </p:sp>
-      <p:sp>
-        <p:nvSpPr>
-          <p:cNvPr id="6" name="Slide Number Placeholder 5"/>
-          <p:cNvSpPr>
-            <a:spLocks noGrp="1"/>
-          </p:cNvSpPr>
-          <p:nvPr>
-            <p:ph type="sldNum" sz="quarter" idx="12"/>
+            <a:r>
+              <a:rPr lang="en-US" dirty="0"/>
+              <a:t>For</a:t>
+            </a:r>
+            <a:r>
+              <a:rPr lang="en-US" baseline="0" dirty="0"/>
+              <a:t> beginners. LOL</a:t>
+            </a:r>
+            <a:endParaRPr lang="en-US" dirty="0"/>
+          </a:p>
+        </p:txBody>
+      </p:sp>
+      <p:sp>
+        <p:nvSpPr>
+          <p:cNvPr id="4" name="Header Placeholder 3"/>
+          <p:cNvSpPr>
+            <a:spLocks noGrp="1"/>
+          </p:cNvSpPr>
+          <p:nvPr>
+            <p:ph type="hdr" sz="quarter" idx="10"/>
+          </p:nvPr>
+        </p:nvSpPr>
+        <p:spPr/>
+        <p:txBody>
+          <a:bodyPr/>
+          <a:lstStyle/>
+          <a:p>
+            <a:endParaRPr lang="en-US" dirty="0"/>
+          </a:p>
+        </p:txBody>
+      </p:sp>
+      <p:sp>
+        <p:nvSpPr>
+          <p:cNvPr id="6" name="Date Placeholder 5"/>
+          <p:cNvSpPr>
+            <a:spLocks noGrp="1"/>
+          </p:cNvSpPr>
+          <p:nvPr>
+            <p:ph type="dt" idx="12"/>
+          </p:nvPr>
+        </p:nvSpPr>
+        <p:spPr/>
+        <p:txBody>
+          <a:bodyPr/>
+          <a:lstStyle/>
+          <a:p>
+            <a:fld id="{9AB2E0C1-2107-4DA2-BB49-BDF54AED96B7}" type="datetime8">
+              <a:rPr lang="en-US" smtClean="0"/>
+              <a:t>2/5/2018 9:39 AM</a:t>
+            </a:fld>
+            <a:endParaRPr lang="en-US" dirty="0"/>
+          </a:p>
+        </p:txBody>
+      </p:sp>
+      <p:sp>
+        <p:nvSpPr>
+          <p:cNvPr id="7" name="Slide Number Placeholder 6"/>
+          <p:cNvSpPr>
+            <a:spLocks noGrp="1"/>
+          </p:cNvSpPr>
+          <p:nvPr>
+            <p:ph type="sldNum" sz="quarter" idx="13"/>
           </p:nvPr>
         </p:nvSpPr>
         <p:spPr/>
@@ -2108,54 +2150,12 @@
       </p:sp>
       <p:sp>
         <p:nvSpPr>
-          <p:cNvPr id="10" name="Date Placeholder 9"/>
-          <p:cNvSpPr>
-            <a:spLocks noGrp="1"/>
-          </p:cNvSpPr>
-          <p:nvPr>
-            <p:ph type="dt" idx="13"/>
-          </p:nvPr>
-        </p:nvSpPr>
-        <p:spPr/>
-        <p:txBody>
-          <a:bodyPr/>
-          <a:lstStyle/>
-          <a:p>
-            <a:fld id="{A48DDB6F-2ACB-4D85-85EB-7238383AEC72}" type="datetime8">
-              <a:rPr lang="en-US" smtClean="0"/>
-              <a:t>2/4/2018 6:48 PM</a:t>
-            </a:fld>
-            <a:endParaRPr lang="en-US" dirty="0"/>
-          </a:p>
-        </p:txBody>
-      </p:sp>
-      <p:sp>
-        <p:nvSpPr>
-          <p:cNvPr id="5" name="Header Placeholder 4"/>
-          <p:cNvSpPr>
-            <a:spLocks noGrp="1"/>
-          </p:cNvSpPr>
-          <p:nvPr>
-            <p:ph type="hdr" sz="quarter" idx="15"/>
-          </p:nvPr>
-        </p:nvSpPr>
-        <p:spPr/>
-        <p:txBody>
-          <a:bodyPr/>
-          <a:lstStyle/>
-          <a:p>
-            <a:endParaRPr lang="en-US" dirty="0"/>
-          </a:p>
-        </p:txBody>
-      </p:sp>
-      <p:sp>
-        <p:nvSpPr>
-          <p:cNvPr id="7" name="Footer Placeholder 6"/>
-          <p:cNvSpPr>
-            <a:spLocks noGrp="1"/>
-          </p:cNvSpPr>
-          <p:nvPr>
-            <p:ph type="ftr" sz="quarter" idx="16"/>
+          <p:cNvPr id="8" name="Footer Placeholder 7"/>
+          <p:cNvSpPr>
+            <a:spLocks noGrp="1"/>
+          </p:cNvSpPr>
+          <p:nvPr>
+            <p:ph type="ftr" sz="quarter" idx="14"/>
           </p:nvPr>
         </p:nvSpPr>
         <p:spPr/>
@@ -2205,7 +2205,7 @@
     </p:spTree>
     <p:extLst>
       <p:ext uri="{BB962C8B-B14F-4D97-AF65-F5344CB8AC3E}">
-        <p14:creationId xmlns:p14="http://schemas.microsoft.com/office/powerpoint/2010/main" val="790284972"/>
+        <p14:creationId xmlns:p14="http://schemas.microsoft.com/office/powerpoint/2010/main" val="796720121"/>
       </p:ext>
     </p:extLst>
   </p:cSld>
@@ -2304,7 +2304,7 @@
           <a:p>
             <a:fld id="{A48DDB6F-2ACB-4D85-85EB-7238383AEC72}" type="datetime8">
               <a:rPr lang="en-US" smtClean="0"/>
-              <a:t>2/4/2018 6:48 PM</a:t>
+              <a:t>2/5/2018 9:39 AM</a:t>
             </a:fld>
             <a:endParaRPr lang="en-US" dirty="0"/>
           </a:p>
@@ -2480,7 +2480,7 @@
           <a:p>
             <a:fld id="{9AB2E0C1-2107-4DA2-BB49-BDF54AED96B7}" type="datetime8">
               <a:rPr lang="en-US" smtClean="0"/>
-              <a:t>2/4/2018 6:48 PM</a:t>
+              <a:t>2/5/2018 9:39 AM</a:t>
             </a:fld>
             <a:endParaRPr lang="en-US" dirty="0"/>
           </a:p>
@@ -2715,7 +2715,7 @@
           <a:p>
             <a:fld id="{79C601B9-5273-467A-8E48-EC9939578C8F}" type="datetime8">
               <a:rPr lang="en-US" smtClean="0"/>
-              <a:t>2/4/2018 6:48 PM</a:t>
+              <a:t>2/5/2018 9:39 AM</a:t>
             </a:fld>
             <a:endParaRPr lang="en-US" dirty="0"/>
           </a:p>
@@ -2896,7 +2896,7 @@
           <a:p>
             <a:fld id="{79C601B9-5273-467A-8E48-EC9939578C8F}" type="datetime8">
               <a:rPr lang="en-US" smtClean="0"/>
-              <a:t>2/4/2018 6:48 PM</a:t>
+              <a:t>2/5/2018 9:39 AM</a:t>
             </a:fld>
             <a:endParaRPr lang="en-US" dirty="0"/>
           </a:p>
@@ -3077,7 +3077,7 @@
           <a:p>
             <a:fld id="{79C601B9-5273-467A-8E48-EC9939578C8F}" type="datetime8">
               <a:rPr lang="en-US" smtClean="0"/>
-              <a:t>2/4/2018 6:48 PM</a:t>
+              <a:t>2/5/2018 9:39 AM</a:t>
             </a:fld>
             <a:endParaRPr lang="en-US" dirty="0"/>
           </a:p>
@@ -3204,7 +3204,7 @@
           <a:p>
             <a:fld id="{9AB2E0C1-2107-4DA2-BB49-BDF54AED96B7}" type="datetime8">
               <a:rPr lang="en-US" smtClean="0"/>
-              <a:t>2/4/2018 6:48 PM</a:t>
+              <a:t>2/5/2018 9:39 AM</a:t>
             </a:fld>
             <a:endParaRPr lang="en-US" dirty="0"/>
           </a:p>
@@ -3439,7 +3439,7 @@
           <a:p>
             <a:fld id="{79C601B9-5273-467A-8E48-EC9939578C8F}" type="datetime8">
               <a:rPr lang="en-US" smtClean="0"/>
-              <a:t>2/4/2018 6:48 PM</a:t>
+              <a:t>2/5/2018 9:39 AM</a:t>
             </a:fld>
             <a:endParaRPr lang="en-US" dirty="0"/>
           </a:p>
@@ -3566,7 +3566,7 @@
           <a:p>
             <a:fld id="{9AB2E0C1-2107-4DA2-BB49-BDF54AED96B7}" type="datetime8">
               <a:rPr lang="en-US" smtClean="0"/>
-              <a:t>2/4/2018 6:48 PM</a:t>
+              <a:t>2/5/2018 9:39 AM</a:t>
             </a:fld>
             <a:endParaRPr lang="en-US" dirty="0"/>
           </a:p>
@@ -3752,7 +3752,7 @@
           <a:p>
             <a:fld id="{A48DDB6F-2ACB-4D85-85EB-7238383AEC72}" type="datetime8">
               <a:rPr lang="en-US" smtClean="0"/>
-              <a:t>2/4/2018 6:48 PM</a:t>
+              <a:t>2/5/2018 9:39 AM</a:t>
             </a:fld>
             <a:endParaRPr lang="en-US" dirty="0"/>
           </a:p>
@@ -3982,7 +3982,7 @@
           <a:p>
             <a:fld id="{79C601B9-5273-467A-8E48-EC9939578C8F}" type="datetime8">
               <a:rPr lang="en-US" smtClean="0"/>
-              <a:t>2/4/2018 6:48 PM</a:t>
+              <a:t>2/5/2018 9:39 AM</a:t>
             </a:fld>
             <a:endParaRPr lang="en-US" dirty="0"/>
           </a:p>
@@ -4114,7 +4114,7 @@
           <a:p>
             <a:fld id="{A48DDB6F-2ACB-4D85-85EB-7238383AEC72}" type="datetime8">
               <a:rPr lang="en-US" smtClean="0"/>
-              <a:t>2/4/2018 6:48 PM</a:t>
+              <a:t>2/5/2018 9:39 AM</a:t>
             </a:fld>
             <a:endParaRPr lang="en-US" dirty="0"/>
           </a:p>
@@ -4344,7 +4344,7 @@
           <a:p>
             <a:fld id="{79C601B9-5273-467A-8E48-EC9939578C8F}" type="datetime8">
               <a:rPr lang="en-US" smtClean="0"/>
-              <a:t>2/4/2018 6:48 PM</a:t>
+              <a:t>2/5/2018 9:39 AM</a:t>
             </a:fld>
             <a:endParaRPr lang="en-US" dirty="0"/>
           </a:p>
@@ -4525,7 +4525,7 @@
           <a:p>
             <a:fld id="{79C601B9-5273-467A-8E48-EC9939578C8F}" type="datetime8">
               <a:rPr lang="en-US" smtClean="0"/>
-              <a:t>2/4/2018 6:48 PM</a:t>
+              <a:t>2/5/2018 9:39 AM</a:t>
             </a:fld>
             <a:endParaRPr lang="en-US" dirty="0"/>
           </a:p>
@@ -4657,7 +4657,7 @@
           <a:p>
             <a:fld id="{A48DDB6F-2ACB-4D85-85EB-7238383AEC72}" type="datetime8">
               <a:rPr lang="en-US" smtClean="0"/>
-              <a:t>2/4/2018 6:48 PM</a:t>
+              <a:t>2/5/2018 9:39 AM</a:t>
             </a:fld>
             <a:endParaRPr lang="en-US" dirty="0"/>
           </a:p>
@@ -4887,7 +4887,7 @@
           <a:p>
             <a:fld id="{79C601B9-5273-467A-8E48-EC9939578C8F}" type="datetime8">
               <a:rPr lang="en-US" smtClean="0"/>
-              <a:t>2/4/2018 6:48 PM</a:t>
+              <a:t>2/5/2018 9:39 AM</a:t>
             </a:fld>
             <a:endParaRPr lang="en-US" dirty="0"/>
           </a:p>
@@ -5068,7 +5068,7 @@
           <a:p>
             <a:fld id="{79C601B9-5273-467A-8E48-EC9939578C8F}" type="datetime8">
               <a:rPr lang="en-US" smtClean="0"/>
-              <a:t>2/4/2018 6:48 PM</a:t>
+              <a:t>2/5/2018 9:39 AM</a:t>
             </a:fld>
             <a:endParaRPr lang="en-US" dirty="0"/>
           </a:p>
@@ -5200,7 +5200,7 @@
           <a:p>
             <a:fld id="{A48DDB6F-2ACB-4D85-85EB-7238383AEC72}" type="datetime8">
               <a:rPr lang="en-US" smtClean="0"/>
-              <a:t>2/4/2018 6:48 PM</a:t>
+              <a:t>2/5/2018 9:39 AM</a:t>
             </a:fld>
             <a:endParaRPr lang="en-US" dirty="0"/>
           </a:p>
@@ -5430,7 +5430,7 @@
           <a:p>
             <a:fld id="{79C601B9-5273-467A-8E48-EC9939578C8F}" type="datetime8">
               <a:rPr lang="en-US" smtClean="0"/>
-              <a:t>2/4/2018 6:48 PM</a:t>
+              <a:t>2/5/2018 9:39 AM</a:t>
             </a:fld>
             <a:endParaRPr lang="en-US" dirty="0"/>
           </a:p>
@@ -5562,7 +5562,7 @@
           <a:p>
             <a:fld id="{A48DDB6F-2ACB-4D85-85EB-7238383AEC72}" type="datetime8">
               <a:rPr lang="en-US" smtClean="0"/>
-              <a:t>2/4/2018 6:48 PM</a:t>
+              <a:t>2/5/2018 9:39 AM</a:t>
             </a:fld>
             <a:endParaRPr lang="en-US" dirty="0"/>
           </a:p>
@@ -5792,7 +5792,7 @@
           <a:p>
             <a:fld id="{79C601B9-5273-467A-8E48-EC9939578C8F}" type="datetime8">
               <a:rPr lang="en-US" smtClean="0"/>
-              <a:t>2/4/2018 6:48 PM</a:t>
+              <a:t>2/5/2018 9:39 AM</a:t>
             </a:fld>
             <a:endParaRPr lang="en-US" dirty="0"/>
           </a:p>
@@ -5924,7 +5924,7 @@
           <a:p>
             <a:fld id="{A48DDB6F-2ACB-4D85-85EB-7238383AEC72}" type="datetime8">
               <a:rPr lang="en-US" smtClean="0"/>
-              <a:t>2/4/2018 6:48 PM</a:t>
+              <a:t>2/5/2018 9:39 AM</a:t>
             </a:fld>
             <a:endParaRPr lang="en-US" dirty="0"/>
           </a:p>
@@ -6154,7 +6154,7 @@
           <a:p>
             <a:fld id="{79C601B9-5273-467A-8E48-EC9939578C8F}" type="datetime8">
               <a:rPr lang="en-US" smtClean="0"/>
-              <a:t>2/4/2018 6:48 PM</a:t>
+              <a:t>2/5/2018 9:39 AM</a:t>
             </a:fld>
             <a:endParaRPr lang="en-US" dirty="0"/>
           </a:p>
@@ -6335,7 +6335,7 @@
           <a:p>
             <a:fld id="{79C601B9-5273-467A-8E48-EC9939578C8F}" type="datetime8">
               <a:rPr lang="en-US" smtClean="0"/>
-              <a:t>2/4/2018 6:48 PM</a:t>
+              <a:t>2/5/2018 9:39 AM</a:t>
             </a:fld>
             <a:endParaRPr lang="en-US" dirty="0"/>
           </a:p>
@@ -6467,7 +6467,7 @@
           <a:p>
             <a:fld id="{A48DDB6F-2ACB-4D85-85EB-7238383AEC72}" type="datetime8">
               <a:rPr lang="en-US" smtClean="0"/>
-              <a:t>2/4/2018 6:48 PM</a:t>
+              <a:t>2/5/2018 9:39 AM</a:t>
             </a:fld>
             <a:endParaRPr lang="en-US" dirty="0"/>
           </a:p>
@@ -6697,7 +6697,7 @@
           <a:p>
             <a:fld id="{79C601B9-5273-467A-8E48-EC9939578C8F}" type="datetime8">
               <a:rPr lang="en-US" smtClean="0"/>
-              <a:t>2/4/2018 6:48 PM</a:t>
+              <a:t>2/5/2018 9:39 AM</a:t>
             </a:fld>
             <a:endParaRPr lang="en-US" dirty="0"/>
           </a:p>
@@ -6829,7 +6829,7 @@
           <a:p>
             <a:fld id="{A48DDB6F-2ACB-4D85-85EB-7238383AEC72}" type="datetime8">
               <a:rPr lang="en-US" smtClean="0"/>
-              <a:t>2/4/2018 6:48 PM</a:t>
+              <a:t>2/5/2018 9:39 AM</a:t>
             </a:fld>
             <a:endParaRPr lang="en-US" dirty="0"/>
           </a:p>
@@ -7005,7 +7005,7 @@
           <a:p>
             <a:fld id="{9AB2E0C1-2107-4DA2-BB49-BDF54AED96B7}" type="datetime8">
               <a:rPr lang="en-US" smtClean="0"/>
-              <a:t>2/4/2018 6:48 PM</a:t>
+              <a:t>2/5/2018 9:39 AM</a:t>
             </a:fld>
             <a:endParaRPr lang="en-US" dirty="0"/>
           </a:p>
@@ -7191,7 +7191,7 @@
           <a:p>
             <a:fld id="{A48DDB6F-2ACB-4D85-85EB-7238383AEC72}" type="datetime8">
               <a:rPr lang="en-US" smtClean="0"/>
-              <a:t>2/4/2018 6:48 PM</a:t>
+              <a:t>2/5/2018 9:39 AM</a:t>
             </a:fld>
             <a:endParaRPr lang="en-US" dirty="0"/>
           </a:p>
@@ -7421,7 +7421,7 @@
           <a:p>
             <a:fld id="{79C601B9-5273-467A-8E48-EC9939578C8F}" type="datetime8">
               <a:rPr lang="en-US" smtClean="0"/>
-              <a:t>2/4/2018 6:48 PM</a:t>
+              <a:t>2/5/2018 9:39 AM</a:t>
             </a:fld>
             <a:endParaRPr lang="en-US" dirty="0"/>
           </a:p>
@@ -7602,7 +7602,7 @@
           <a:p>
             <a:fld id="{79C601B9-5273-467A-8E48-EC9939578C8F}" type="datetime8">
               <a:rPr lang="en-US" smtClean="0"/>
-              <a:t>2/4/2018 6:48 PM</a:t>
+              <a:t>2/5/2018 9:39 AM</a:t>
             </a:fld>
             <a:endParaRPr lang="en-US" dirty="0"/>
           </a:p>
@@ -7734,7 +7734,7 @@
           <a:p>
             <a:fld id="{A48DDB6F-2ACB-4D85-85EB-7238383AEC72}" type="datetime8">
               <a:rPr lang="en-US" smtClean="0"/>
-              <a:t>2/4/2018 6:48 PM</a:t>
+              <a:t>2/5/2018 9:39 AM</a:t>
             </a:fld>
             <a:endParaRPr lang="en-US" dirty="0"/>
           </a:p>
@@ -7964,7 +7964,7 @@
           <a:p>
             <a:fld id="{79C601B9-5273-467A-8E48-EC9939578C8F}" type="datetime8">
               <a:rPr lang="en-US" smtClean="0"/>
-              <a:t>2/4/2018 6:48 PM</a:t>
+              <a:t>2/5/2018 9:39 AM</a:t>
             </a:fld>
             <a:endParaRPr lang="en-US" dirty="0"/>
           </a:p>
@@ -8091,7 +8091,7 @@
           <a:p>
             <a:fld id="{9AB2E0C1-2107-4DA2-BB49-BDF54AED96B7}" type="datetime8">
               <a:rPr lang="en-US" smtClean="0"/>
-              <a:t>2/4/2018 6:48 PM</a:t>
+              <a:t>2/5/2018 9:39 AM</a:t>
             </a:fld>
             <a:endParaRPr lang="en-US" dirty="0"/>
           </a:p>
@@ -8295,7 +8295,7 @@
                   <a:prstClr val="black"/>
                 </a:solidFill>
               </a:rPr>
-              <a:t>2/4/2018 6:48 PM</a:t>
+              <a:t>2/5/2018 9:39 AM</a:t>
             </a:fld>
             <a:endParaRPr lang="en-US" dirty="0">
               <a:solidFill>
@@ -8488,7 +8488,7 @@
           <a:p>
             <a:fld id="{9AB2E0C1-2107-4DA2-BB49-BDF54AED96B7}" type="datetime8">
               <a:rPr lang="en-US" smtClean="0"/>
-              <a:t>2/4/2018 6:48 PM</a:t>
+              <a:t>2/5/2018 9:39 AM</a:t>
             </a:fld>
             <a:endParaRPr lang="en-US" dirty="0"/>
           </a:p>
@@ -8669,7 +8669,7 @@
           <a:p>
             <a:fld id="{9AB2E0C1-2107-4DA2-BB49-BDF54AED96B7}" type="datetime8">
               <a:rPr lang="en-US" smtClean="0"/>
-              <a:t>2/4/2018 6:48 PM</a:t>
+              <a:t>2/5/2018 9:39 AM</a:t>
             </a:fld>
             <a:endParaRPr lang="en-US" dirty="0"/>
           </a:p>
@@ -8858,7 +8858,7 @@
           <a:p>
             <a:fld id="{9AB2E0C1-2107-4DA2-BB49-BDF54AED96B7}" type="datetime8">
               <a:rPr lang="en-US" smtClean="0"/>
-              <a:t>2/4/2018 6:48 PM</a:t>
+              <a:t>2/5/2018 9:39 AM</a:t>
             </a:fld>
             <a:endParaRPr lang="en-US" dirty="0"/>
           </a:p>
@@ -9039,7 +9039,7 @@
           <a:p>
             <a:fld id="{9AB2E0C1-2107-4DA2-BB49-BDF54AED96B7}" type="datetime8">
               <a:rPr lang="en-US" smtClean="0"/>
-              <a:t>2/4/2018 6:48 PM</a:t>
+              <a:t>2/5/2018 9:39 AM</a:t>
             </a:fld>
             <a:endParaRPr lang="en-US" dirty="0"/>
           </a:p>
@@ -9228,7 +9228,7 @@
           <a:p>
             <a:fld id="{9AB2E0C1-2107-4DA2-BB49-BDF54AED96B7}" type="datetime8">
               <a:rPr lang="en-US" smtClean="0"/>
-              <a:t>2/4/2018 6:48 PM</a:t>
+              <a:t>2/5/2018 9:39 AM</a:t>
             </a:fld>
             <a:endParaRPr lang="en-US" dirty="0"/>
           </a:p>
@@ -20947,6 +20947,534 @@
 <file path=ppt/slides/slide17.xml><?xml version="1.0" encoding="utf-8"?>
 <p:sld xmlns:a="http://schemas.openxmlformats.org/drawingml/2006/main" xmlns:r="http://schemas.openxmlformats.org/officeDocument/2006/relationships" xmlns:p="http://schemas.openxmlformats.org/presentationml/2006/main">
   <p:cSld>
+    <p:spTree>
+      <p:nvGrpSpPr>
+        <p:cNvPr id="1" name=""/>
+        <p:cNvGrpSpPr/>
+        <p:nvPr/>
+      </p:nvGrpSpPr>
+      <p:grpSpPr>
+        <a:xfrm>
+          <a:off x="0" y="0"/>
+          <a:ext cx="0" cy="0"/>
+          <a:chOff x="0" y="0"/>
+          <a:chExt cx="0" cy="0"/>
+        </a:xfrm>
+      </p:grpSpPr>
+      <p:sp>
+        <p:nvSpPr>
+          <p:cNvPr id="4" name="Title 3"/>
+          <p:cNvSpPr>
+            <a:spLocks noGrp="1"/>
+          </p:cNvSpPr>
+          <p:nvPr>
+            <p:ph type="title"/>
+          </p:nvPr>
+        </p:nvSpPr>
+        <p:spPr/>
+        <p:txBody>
+          <a:bodyPr/>
+          <a:lstStyle/>
+          <a:p>
+            <a:r>
+              <a:rPr lang="en-US" dirty="0">
+                <a:solidFill>
+                  <a:schemeClr val="bg1"/>
+                </a:solidFill>
+              </a:rPr>
+              <a:t>HTML</a:t>
+            </a:r>
+            <a:br>
+              <a:rPr lang="en-US" dirty="0">
+                <a:solidFill>
+                  <a:schemeClr val="bg1"/>
+                </a:solidFill>
+              </a:rPr>
+            </a:br>
+            <a:endParaRPr lang="en-US" dirty="0">
+              <a:solidFill>
+                <a:schemeClr val="bg1"/>
+              </a:solidFill>
+            </a:endParaRPr>
+          </a:p>
+        </p:txBody>
+      </p:sp>
+      <p:sp>
+        <p:nvSpPr>
+          <p:cNvPr id="5" name="Text Placeholder 4"/>
+          <p:cNvSpPr>
+            <a:spLocks noGrp="1"/>
+          </p:cNvSpPr>
+          <p:nvPr>
+            <p:ph type="body" sz="quarter" idx="10"/>
+          </p:nvPr>
+        </p:nvSpPr>
+        <p:spPr>
+          <a:xfrm>
+            <a:off x="274638" y="1221157"/>
+            <a:ext cx="11048999" cy="5226046"/>
+          </a:xfrm>
+        </p:spPr>
+        <p:txBody>
+          <a:bodyPr/>
+          <a:lstStyle/>
+          <a:p>
+            <a:r>
+              <a:rPr lang="en-US" sz="2800" dirty="0">
+                <a:solidFill>
+                  <a:srgbClr val="0000CD"/>
+                </a:solidFill>
+              </a:rPr>
+              <a:t>&lt;</a:t>
+            </a:r>
+            <a:r>
+              <a:rPr lang="en-US" sz="2800" dirty="0">
+                <a:solidFill>
+                  <a:srgbClr val="A52A2A"/>
+                </a:solidFill>
+              </a:rPr>
+              <a:t>!DOCTYPE</a:t>
+            </a:r>
+            <a:r>
+              <a:rPr lang="en-US" sz="2800" dirty="0">
+                <a:solidFill>
+                  <a:srgbClr val="FF0000"/>
+                </a:solidFill>
+              </a:rPr>
+              <a:t> html</a:t>
+            </a:r>
+            <a:r>
+              <a:rPr lang="en-US" sz="2800" dirty="0">
+                <a:solidFill>
+                  <a:srgbClr val="0000CD"/>
+                </a:solidFill>
+              </a:rPr>
+              <a:t>&gt;</a:t>
+            </a:r>
+            <a:br>
+              <a:rPr lang="en-US" sz="2800" dirty="0">
+                <a:solidFill>
+                  <a:srgbClr val="000000"/>
+                </a:solidFill>
+              </a:rPr>
+            </a:br>
+            <a:r>
+              <a:rPr lang="en-US" sz="2800" dirty="0">
+                <a:solidFill>
+                  <a:srgbClr val="0000CD"/>
+                </a:solidFill>
+              </a:rPr>
+              <a:t>&lt;</a:t>
+            </a:r>
+            <a:r>
+              <a:rPr lang="en-US" sz="2800" dirty="0">
+                <a:solidFill>
+                  <a:srgbClr val="A52A2A"/>
+                </a:solidFill>
+              </a:rPr>
+              <a:t>html</a:t>
+            </a:r>
+            <a:r>
+              <a:rPr lang="en-US" sz="2800" dirty="0">
+                <a:solidFill>
+                  <a:srgbClr val="0000CD"/>
+                </a:solidFill>
+              </a:rPr>
+              <a:t>&gt;</a:t>
+            </a:r>
+            <a:br>
+              <a:rPr lang="en-US" sz="2800" dirty="0">
+                <a:solidFill>
+                  <a:srgbClr val="000000"/>
+                </a:solidFill>
+              </a:rPr>
+            </a:br>
+            <a:r>
+              <a:rPr lang="en-US" sz="2800" dirty="0">
+                <a:solidFill>
+                  <a:srgbClr val="0000CD"/>
+                </a:solidFill>
+              </a:rPr>
+              <a:t>&lt;</a:t>
+            </a:r>
+            <a:r>
+              <a:rPr lang="en-US" sz="2800" dirty="0">
+                <a:solidFill>
+                  <a:srgbClr val="A52A2A"/>
+                </a:solidFill>
+              </a:rPr>
+              <a:t>head</a:t>
+            </a:r>
+            <a:r>
+              <a:rPr lang="en-US" sz="2800" dirty="0">
+                <a:solidFill>
+                  <a:srgbClr val="0000CD"/>
+                </a:solidFill>
+              </a:rPr>
+              <a:t>&gt;</a:t>
+            </a:r>
+            <a:br>
+              <a:rPr lang="en-US" sz="2800" dirty="0">
+                <a:solidFill>
+                  <a:srgbClr val="000000"/>
+                </a:solidFill>
+              </a:rPr>
+            </a:br>
+            <a:r>
+              <a:rPr lang="en-US" sz="2800" dirty="0">
+                <a:solidFill>
+                  <a:srgbClr val="0000CD"/>
+                </a:solidFill>
+              </a:rPr>
+              <a:t>&lt;</a:t>
+            </a:r>
+            <a:r>
+              <a:rPr lang="en-US" sz="2800" dirty="0">
+                <a:solidFill>
+                  <a:srgbClr val="A52A2A"/>
+                </a:solidFill>
+              </a:rPr>
+              <a:t>title</a:t>
+            </a:r>
+            <a:r>
+              <a:rPr lang="en-US" sz="2800" dirty="0">
+                <a:solidFill>
+                  <a:srgbClr val="0000CD"/>
+                </a:solidFill>
+              </a:rPr>
+              <a:t>&gt;</a:t>
+            </a:r>
+            <a:r>
+              <a:rPr lang="en-US" sz="2800" dirty="0">
+                <a:solidFill>
+                  <a:srgbClr val="000000"/>
+                </a:solidFill>
+              </a:rPr>
+              <a:t>Page Title</a:t>
+            </a:r>
+            <a:r>
+              <a:rPr lang="en-US" sz="2800" dirty="0">
+                <a:solidFill>
+                  <a:srgbClr val="0000CD"/>
+                </a:solidFill>
+              </a:rPr>
+              <a:t>&lt;</a:t>
+            </a:r>
+            <a:r>
+              <a:rPr lang="en-US" sz="2800" dirty="0">
+                <a:solidFill>
+                  <a:srgbClr val="A52A2A"/>
+                </a:solidFill>
+              </a:rPr>
+              <a:t>/title</a:t>
+            </a:r>
+            <a:r>
+              <a:rPr lang="en-US" sz="2800" dirty="0">
+                <a:solidFill>
+                  <a:srgbClr val="0000CD"/>
+                </a:solidFill>
+              </a:rPr>
+              <a:t>&gt;</a:t>
+            </a:r>
+            <a:br>
+              <a:rPr lang="en-US" sz="2800" dirty="0">
+                <a:solidFill>
+                  <a:srgbClr val="000000"/>
+                </a:solidFill>
+              </a:rPr>
+            </a:br>
+            <a:r>
+              <a:rPr lang="en-US" sz="2800" dirty="0">
+                <a:solidFill>
+                  <a:srgbClr val="0000CD"/>
+                </a:solidFill>
+              </a:rPr>
+              <a:t>&lt;</a:t>
+            </a:r>
+            <a:r>
+              <a:rPr lang="en-US" sz="2800" dirty="0">
+                <a:solidFill>
+                  <a:srgbClr val="A52A2A"/>
+                </a:solidFill>
+              </a:rPr>
+              <a:t>/head</a:t>
+            </a:r>
+            <a:r>
+              <a:rPr lang="en-US" sz="2800" dirty="0">
+                <a:solidFill>
+                  <a:srgbClr val="0000CD"/>
+                </a:solidFill>
+              </a:rPr>
+              <a:t>&gt;</a:t>
+            </a:r>
+            <a:br>
+              <a:rPr lang="en-US" sz="2800" dirty="0">
+                <a:solidFill>
+                  <a:srgbClr val="000000"/>
+                </a:solidFill>
+              </a:rPr>
+            </a:br>
+            <a:r>
+              <a:rPr lang="en-US" sz="2800" dirty="0">
+                <a:solidFill>
+                  <a:srgbClr val="0000CD"/>
+                </a:solidFill>
+              </a:rPr>
+              <a:t>&lt;</a:t>
+            </a:r>
+            <a:r>
+              <a:rPr lang="en-US" sz="2800" dirty="0">
+                <a:solidFill>
+                  <a:srgbClr val="A52A2A"/>
+                </a:solidFill>
+              </a:rPr>
+              <a:t>body</a:t>
+            </a:r>
+            <a:r>
+              <a:rPr lang="en-US" sz="2800" dirty="0">
+                <a:solidFill>
+                  <a:srgbClr val="0000CD"/>
+                </a:solidFill>
+              </a:rPr>
+              <a:t>&gt;</a:t>
+            </a:r>
+            <a:br>
+              <a:rPr lang="en-US" sz="2800" dirty="0">
+                <a:solidFill>
+                  <a:srgbClr val="000000"/>
+                </a:solidFill>
+              </a:rPr>
+            </a:br>
+            <a:br>
+              <a:rPr lang="en-US" sz="2800" dirty="0">
+                <a:solidFill>
+                  <a:srgbClr val="000000"/>
+                </a:solidFill>
+              </a:rPr>
+            </a:br>
+            <a:r>
+              <a:rPr lang="en-US" sz="2800" dirty="0">
+                <a:solidFill>
+                  <a:srgbClr val="0000CD"/>
+                </a:solidFill>
+              </a:rPr>
+              <a:t>&lt;</a:t>
+            </a:r>
+            <a:r>
+              <a:rPr lang="en-US" sz="2800" dirty="0">
+                <a:solidFill>
+                  <a:srgbClr val="A52A2A"/>
+                </a:solidFill>
+              </a:rPr>
+              <a:t>h1</a:t>
+            </a:r>
+            <a:r>
+              <a:rPr lang="en-US" sz="2800" dirty="0">
+                <a:solidFill>
+                  <a:srgbClr val="0000CD"/>
+                </a:solidFill>
+              </a:rPr>
+              <a:t>&gt;</a:t>
+            </a:r>
+            <a:r>
+              <a:rPr lang="en-US" sz="2800" dirty="0">
+                <a:solidFill>
+                  <a:srgbClr val="000000"/>
+                </a:solidFill>
+              </a:rPr>
+              <a:t>This is a Heading</a:t>
+            </a:r>
+            <a:r>
+              <a:rPr lang="en-US" sz="2800" dirty="0">
+                <a:solidFill>
+                  <a:srgbClr val="0000CD"/>
+                </a:solidFill>
+              </a:rPr>
+              <a:t>&lt;</a:t>
+            </a:r>
+            <a:r>
+              <a:rPr lang="en-US" sz="2800" dirty="0">
+                <a:solidFill>
+                  <a:srgbClr val="A52A2A"/>
+                </a:solidFill>
+              </a:rPr>
+              <a:t>/h1</a:t>
+            </a:r>
+            <a:r>
+              <a:rPr lang="en-US" sz="2800" dirty="0">
+                <a:solidFill>
+                  <a:srgbClr val="0000CD"/>
+                </a:solidFill>
+              </a:rPr>
+              <a:t>&gt;</a:t>
+            </a:r>
+            <a:br>
+              <a:rPr lang="en-US" sz="2800" dirty="0">
+                <a:solidFill>
+                  <a:srgbClr val="000000"/>
+                </a:solidFill>
+              </a:rPr>
+            </a:br>
+            <a:r>
+              <a:rPr lang="en-US" sz="2800" dirty="0">
+                <a:solidFill>
+                  <a:srgbClr val="0000CD"/>
+                </a:solidFill>
+              </a:rPr>
+              <a:t>&lt;</a:t>
+            </a:r>
+            <a:r>
+              <a:rPr lang="en-US" sz="2800" dirty="0">
+                <a:solidFill>
+                  <a:srgbClr val="A52A2A"/>
+                </a:solidFill>
+              </a:rPr>
+              <a:t>p</a:t>
+            </a:r>
+            <a:r>
+              <a:rPr lang="en-US" sz="2800" dirty="0">
+                <a:solidFill>
+                  <a:srgbClr val="0000CD"/>
+                </a:solidFill>
+              </a:rPr>
+              <a:t>&gt;</a:t>
+            </a:r>
+            <a:r>
+              <a:rPr lang="en-US" sz="2800" dirty="0">
+                <a:solidFill>
+                  <a:srgbClr val="000000"/>
+                </a:solidFill>
+              </a:rPr>
+              <a:t>This is a paragraph.</a:t>
+            </a:r>
+            <a:r>
+              <a:rPr lang="en-US" sz="2800" dirty="0">
+                <a:solidFill>
+                  <a:srgbClr val="0000CD"/>
+                </a:solidFill>
+              </a:rPr>
+              <a:t>&lt;</a:t>
+            </a:r>
+            <a:r>
+              <a:rPr lang="en-US" sz="2800" dirty="0">
+                <a:solidFill>
+                  <a:srgbClr val="A52A2A"/>
+                </a:solidFill>
+              </a:rPr>
+              <a:t>/p</a:t>
+            </a:r>
+            <a:r>
+              <a:rPr lang="en-US" sz="2800" dirty="0">
+                <a:solidFill>
+                  <a:srgbClr val="0000CD"/>
+                </a:solidFill>
+              </a:rPr>
+              <a:t>&gt;</a:t>
+            </a:r>
+            <a:br>
+              <a:rPr lang="en-US" sz="2800" dirty="0">
+                <a:solidFill>
+                  <a:srgbClr val="000000"/>
+                </a:solidFill>
+              </a:rPr>
+            </a:br>
+            <a:br>
+              <a:rPr lang="en-US" sz="2800" dirty="0">
+                <a:solidFill>
+                  <a:srgbClr val="000000"/>
+                </a:solidFill>
+              </a:rPr>
+            </a:br>
+            <a:r>
+              <a:rPr lang="en-US" sz="2800" dirty="0">
+                <a:solidFill>
+                  <a:srgbClr val="0000CD"/>
+                </a:solidFill>
+              </a:rPr>
+              <a:t>&lt;</a:t>
+            </a:r>
+            <a:r>
+              <a:rPr lang="en-US" sz="2800" dirty="0">
+                <a:solidFill>
+                  <a:srgbClr val="A52A2A"/>
+                </a:solidFill>
+              </a:rPr>
+              <a:t>/body</a:t>
+            </a:r>
+            <a:r>
+              <a:rPr lang="en-US" sz="2800" dirty="0">
+                <a:solidFill>
+                  <a:srgbClr val="0000CD"/>
+                </a:solidFill>
+              </a:rPr>
+              <a:t>&gt;</a:t>
+            </a:r>
+            <a:br>
+              <a:rPr lang="en-US" sz="2800" dirty="0">
+                <a:solidFill>
+                  <a:srgbClr val="000000"/>
+                </a:solidFill>
+              </a:rPr>
+            </a:br>
+            <a:r>
+              <a:rPr lang="en-US" sz="2800" dirty="0">
+                <a:solidFill>
+                  <a:srgbClr val="0000CD"/>
+                </a:solidFill>
+              </a:rPr>
+              <a:t>&lt;</a:t>
+            </a:r>
+            <a:r>
+              <a:rPr lang="en-US" sz="2800" dirty="0">
+                <a:solidFill>
+                  <a:srgbClr val="A52A2A"/>
+                </a:solidFill>
+              </a:rPr>
+              <a:t>/html</a:t>
+            </a:r>
+            <a:r>
+              <a:rPr lang="en-US" sz="2800" dirty="0">
+                <a:solidFill>
+                  <a:srgbClr val="0000CD"/>
+                </a:solidFill>
+              </a:rPr>
+              <a:t>&gt;</a:t>
+            </a:r>
+            <a:br>
+              <a:rPr lang="en-US" sz="2800" dirty="0"/>
+            </a:br>
+            <a:endParaRPr lang="en-US" sz="2800" dirty="0"/>
+          </a:p>
+        </p:txBody>
+      </p:sp>
+    </p:spTree>
+    <p:extLst>
+      <p:ext uri="{BB962C8B-B14F-4D97-AF65-F5344CB8AC3E}">
+        <p14:creationId xmlns:p14="http://schemas.microsoft.com/office/powerpoint/2010/main" val="1556805822"/>
+      </p:ext>
+    </p:extLst>
+  </p:cSld>
+  <p:clrMapOvr>
+    <a:masterClrMapping/>
+  </p:clrMapOvr>
+  <mc:AlternateContent xmlns:mc="http://schemas.openxmlformats.org/markup-compatibility/2006" xmlns:p159="http://schemas.microsoft.com/office/powerpoint/2015/09/main">
+    <mc:Choice Requires="p159">
+      <p:transition xmlns:p14="http://schemas.microsoft.com/office/powerpoint/2010/main" spd="slow" p14:dur="2000">
+        <p159:morph option="byObject"/>
+      </p:transition>
+    </mc:Choice>
+    <mc:Fallback xmlns="">
+      <p:transition spd="slow">
+        <p:fade/>
+      </p:transition>
+    </mc:Fallback>
+  </mc:AlternateContent>
+</p:sld>
+</file>
+
+<file path=ppt/slides/slide18.xml><?xml version="1.0" encoding="utf-8"?>
+<p:sld xmlns:a="http://schemas.openxmlformats.org/drawingml/2006/main" xmlns:r="http://schemas.openxmlformats.org/officeDocument/2006/relationships" xmlns:p="http://schemas.openxmlformats.org/presentationml/2006/main">
+  <p:cSld>
     <p:bg>
       <p:bgPr>
         <a:solidFill>
@@ -21105,119 +21633,6 @@
 </p:sld>
 </file>
 
-<file path=ppt/slides/slide18.xml><?xml version="1.0" encoding="utf-8"?>
-<p:sld xmlns:a="http://schemas.openxmlformats.org/drawingml/2006/main" xmlns:r="http://schemas.openxmlformats.org/officeDocument/2006/relationships" xmlns:p="http://schemas.openxmlformats.org/presentationml/2006/main">
-  <p:cSld>
-    <p:bg>
-      <p:bgPr>
-        <a:solidFill>
-          <a:srgbClr val="00BCF2"/>
-        </a:solidFill>
-        <a:effectLst/>
-      </p:bgPr>
-    </p:bg>
-    <p:spTree>
-      <p:nvGrpSpPr>
-        <p:cNvPr id="1" name=""/>
-        <p:cNvGrpSpPr/>
-        <p:nvPr/>
-      </p:nvGrpSpPr>
-      <p:grpSpPr>
-        <a:xfrm>
-          <a:off x="0" y="0"/>
-          <a:ext cx="0" cy="0"/>
-          <a:chOff x="0" y="0"/>
-          <a:chExt cx="0" cy="0"/>
-        </a:xfrm>
-      </p:grpSpPr>
-      <p:sp>
-        <p:nvSpPr>
-          <p:cNvPr id="4" name="Title 3"/>
-          <p:cNvSpPr>
-            <a:spLocks noGrp="1"/>
-          </p:cNvSpPr>
-          <p:nvPr>
-            <p:ph type="title"/>
-          </p:nvPr>
-        </p:nvSpPr>
-        <p:spPr>
-          <a:xfrm>
-            <a:off x="5380037" y="4487862"/>
-            <a:ext cx="2667000" cy="932563"/>
-          </a:xfrm>
-        </p:spPr>
-        <p:txBody>
-          <a:bodyPr/>
-          <a:lstStyle/>
-          <a:p>
-            <a:r>
-              <a:rPr lang="en-US" sz="5400" dirty="0"/>
-              <a:t>PHP</a:t>
-            </a:r>
-          </a:p>
-        </p:txBody>
-      </p:sp>
-      <p:pic>
-        <p:nvPicPr>
-          <p:cNvPr id="5" name="Picture 4" descr="A close up of a sign&#10;&#10;Description generated with high confidence">
-            <a:extLst>
-              <a:ext uri="{FF2B5EF4-FFF2-40B4-BE49-F238E27FC236}">
-                <a16:creationId xmlns:a16="http://schemas.microsoft.com/office/drawing/2014/main" id="{5F728AC0-F0B3-4612-B67B-EEA6A4D76257}"/>
-              </a:ext>
-            </a:extLst>
-          </p:cNvPr>
-          <p:cNvPicPr>
-            <a:picLocks noChangeAspect="1"/>
-          </p:cNvPicPr>
-          <p:nvPr/>
-        </p:nvPicPr>
-        <p:blipFill>
-          <a:blip r:embed="rId3">
-            <a:extLst>
-              <a:ext uri="{837473B0-CC2E-450A-ABE3-18F120FF3D39}">
-                <a1611:picAttrSrcUrl xmlns:a1611="http://schemas.microsoft.com/office/drawing/2016/11/main" r:id="rId4"/>
-              </a:ext>
-            </a:extLst>
-          </a:blip>
-          <a:stretch>
-            <a:fillRect/>
-          </a:stretch>
-        </p:blipFill>
-        <p:spPr>
-          <a:xfrm>
-            <a:off x="3360338" y="1487068"/>
-            <a:ext cx="5715798" cy="3000794"/>
-          </a:xfrm>
-          <a:prstGeom prst="rect">
-            <a:avLst/>
-          </a:prstGeom>
-        </p:spPr>
-      </p:pic>
-    </p:spTree>
-    <p:extLst>
-      <p:ext uri="{BB962C8B-B14F-4D97-AF65-F5344CB8AC3E}">
-        <p14:creationId xmlns:p14="http://schemas.microsoft.com/office/powerpoint/2010/main" val="1875224251"/>
-      </p:ext>
-    </p:extLst>
-  </p:cSld>
-  <p:clrMapOvr>
-    <a:masterClrMapping/>
-  </p:clrMapOvr>
-  <mc:AlternateContent xmlns:mc="http://schemas.openxmlformats.org/markup-compatibility/2006" xmlns:p159="http://schemas.microsoft.com/office/powerpoint/2015/09/main">
-    <mc:Choice Requires="p159">
-      <p:transition xmlns:p14="http://schemas.microsoft.com/office/powerpoint/2010/main" spd="slow" p14:dur="2000">
-        <p159:morph option="byChar"/>
-      </p:transition>
-    </mc:Choice>
-    <mc:Fallback xmlns="">
-      <p:transition spd="slow">
-        <p:fade/>
-      </p:transition>
-    </mc:Fallback>
-  </mc:AlternateContent>
-</p:sld>
-</file>
-
 <file path=ppt/slides/slide19.xml><?xml version="1.0" encoding="utf-8"?>
 <p:sld xmlns:a="http://schemas.openxmlformats.org/drawingml/2006/main" xmlns:r="http://schemas.openxmlformats.org/officeDocument/2006/relationships" xmlns:p="http://schemas.openxmlformats.org/presentationml/2006/main">
   <p:cSld>
@@ -21256,7 +21671,7 @@
                   <a:schemeClr val="bg1"/>
                 </a:solidFill>
               </a:rPr>
-              <a:t>HTML</a:t>
+              <a:t>SQL</a:t>
             </a:r>
             <a:br>
               <a:rPr lang="en-US" dirty="0">
@@ -21286,7 +21701,7 @@
         <p:spPr>
           <a:xfrm>
             <a:off x="274638" y="1221157"/>
-            <a:ext cx="11048999" cy="5226046"/>
+            <a:ext cx="11048999" cy="2252924"/>
           </a:xfrm>
         </p:spPr>
         <p:txBody>
@@ -21294,437 +21709,83 @@
           <a:lstStyle/>
           <a:p>
             <a:r>
-              <a:rPr lang="en-US" sz="2800" dirty="0">
-                <a:solidFill>
-                  <a:srgbClr val="0000CD"/>
-                </a:solidFill>
-              </a:rPr>
-              <a:t>&lt;</a:t>
-            </a:r>
-            <a:r>
-              <a:rPr lang="en-US" sz="2800" dirty="0">
-                <a:solidFill>
-                  <a:srgbClr val="A52A2A"/>
-                </a:solidFill>
-              </a:rPr>
-              <a:t>!DOCTYPE</a:t>
-            </a:r>
-            <a:r>
-              <a:rPr lang="en-US" sz="2800" dirty="0">
+              <a:rPr lang="en-US" sz="3200" dirty="0"/>
+              <a:t>SELECT </a:t>
+            </a:r>
+            <a:r>
+              <a:rPr lang="en-US" sz="3200" dirty="0">
                 <a:solidFill>
                   <a:srgbClr val="FF0000"/>
                 </a:solidFill>
               </a:rPr>
-              <a:t> html</a:t>
-            </a:r>
-            <a:r>
-              <a:rPr lang="en-US" sz="2800" dirty="0">
+              <a:t>*</a:t>
+            </a:r>
+            <a:r>
+              <a:rPr lang="en-US" sz="3200" dirty="0"/>
+              <a:t> </a:t>
+            </a:r>
+          </a:p>
+          <a:p>
+            <a:r>
+              <a:rPr lang="en-US" sz="3200" dirty="0"/>
+              <a:t>	FROM </a:t>
+            </a:r>
+            <a:r>
+              <a:rPr lang="en-US" sz="3200" dirty="0">
                 <a:solidFill>
-                  <a:srgbClr val="0000CD"/>
+                  <a:srgbClr val="0070C0"/>
                 </a:solidFill>
               </a:rPr>
-              <a:t>&gt;</a:t>
-            </a:r>
-            <a:br>
-              <a:rPr lang="en-US" sz="2800" dirty="0">
+              <a:t>Book</a:t>
+            </a:r>
+            <a:r>
+              <a:rPr lang="en-US" sz="3200" dirty="0"/>
+              <a:t> </a:t>
+            </a:r>
+          </a:p>
+          <a:p>
+            <a:r>
+              <a:rPr lang="en-US" sz="3200" dirty="0"/>
+              <a:t>	WHERE price </a:t>
+            </a:r>
+            <a:r>
+              <a:rPr lang="en-US" sz="3200" dirty="0">
                 <a:solidFill>
-                  <a:srgbClr val="000000"/>
+                  <a:srgbClr val="00B050"/>
                 </a:solidFill>
               </a:rPr>
-            </a:br>
-            <a:r>
-              <a:rPr lang="en-US" sz="2800" dirty="0">
+              <a:t>&gt; 100.00 </a:t>
+            </a:r>
+          </a:p>
+          <a:p>
+            <a:r>
+              <a:rPr lang="en-US" sz="3200" dirty="0"/>
+              <a:t>ORDER BY </a:t>
+            </a:r>
+            <a:r>
+              <a:rPr lang="en-US" sz="3200" dirty="0">
                 <a:solidFill>
-                  <a:srgbClr val="0000CD"/>
-                </a:solidFill>
-              </a:rPr>
-              <a:t>&lt;</a:t>
-            </a:r>
-            <a:r>
-              <a:rPr lang="en-US" sz="2800" dirty="0">
-                <a:solidFill>
-                  <a:srgbClr val="A52A2A"/>
-                </a:solidFill>
-              </a:rPr>
-              <a:t>html</a:t>
-            </a:r>
-            <a:r>
-              <a:rPr lang="en-US" sz="2800" dirty="0">
-                <a:solidFill>
-                  <a:srgbClr val="0000CD"/>
-                </a:solidFill>
-              </a:rPr>
-              <a:t>&gt;</a:t>
-            </a:r>
-            <a:br>
-              <a:rPr lang="en-US" sz="2800" dirty="0">
-                <a:solidFill>
-                  <a:srgbClr val="000000"/>
-                </a:solidFill>
-              </a:rPr>
-            </a:br>
-            <a:r>
-              <a:rPr lang="en-US" sz="2800" dirty="0">
-                <a:solidFill>
-                  <a:srgbClr val="0000CD"/>
-                </a:solidFill>
-              </a:rPr>
-              <a:t>&lt;</a:t>
-            </a:r>
-            <a:r>
-              <a:rPr lang="en-US" sz="2800" dirty="0">
-                <a:solidFill>
-                  <a:srgbClr val="A52A2A"/>
-                </a:solidFill>
-              </a:rPr>
-              <a:t>head</a:t>
-            </a:r>
-            <a:r>
-              <a:rPr lang="en-US" sz="2800" dirty="0">
-                <a:solidFill>
-                  <a:srgbClr val="0000CD"/>
-                </a:solidFill>
-              </a:rPr>
-              <a:t>&gt;</a:t>
-            </a:r>
-            <a:br>
-              <a:rPr lang="en-US" sz="2800" dirty="0">
-                <a:solidFill>
-                  <a:srgbClr val="000000"/>
-                </a:solidFill>
-              </a:rPr>
-            </a:br>
-            <a:r>
-              <a:rPr lang="en-US" sz="2800" dirty="0">
-                <a:solidFill>
-                  <a:srgbClr val="0000CD"/>
-                </a:solidFill>
-              </a:rPr>
-              <a:t>&lt;</a:t>
-            </a:r>
-            <a:r>
-              <a:rPr lang="en-US" sz="2800" dirty="0">
-                <a:solidFill>
-                  <a:srgbClr val="A52A2A"/>
+                  <a:srgbClr val="B4009E"/>
                 </a:solidFill>
               </a:rPr>
               <a:t>title</a:t>
             </a:r>
             <a:r>
-              <a:rPr lang="en-US" sz="2800" dirty="0">
-                <a:solidFill>
-                  <a:srgbClr val="0000CD"/>
-                </a:solidFill>
-              </a:rPr>
-              <a:t>&gt;</a:t>
-            </a:r>
-            <a:r>
-              <a:rPr lang="en-US" sz="2800" dirty="0">
-                <a:solidFill>
-                  <a:srgbClr val="000000"/>
-                </a:solidFill>
-              </a:rPr>
-              <a:t>Page Title</a:t>
-            </a:r>
-            <a:r>
-              <a:rPr lang="en-US" sz="2800" dirty="0">
-                <a:solidFill>
-                  <a:srgbClr val="0000CD"/>
-                </a:solidFill>
-              </a:rPr>
-              <a:t>&lt;</a:t>
-            </a:r>
-            <a:r>
-              <a:rPr lang="en-US" sz="2800" dirty="0">
-                <a:solidFill>
-                  <a:srgbClr val="A52A2A"/>
-                </a:solidFill>
-              </a:rPr>
-              <a:t>/title</a:t>
-            </a:r>
-            <a:r>
-              <a:rPr lang="en-US" sz="2800" dirty="0">
-                <a:solidFill>
-                  <a:srgbClr val="0000CD"/>
-                </a:solidFill>
-              </a:rPr>
-              <a:t>&gt;</a:t>
-            </a:r>
-            <a:br>
-              <a:rPr lang="en-US" sz="2800" dirty="0">
-                <a:solidFill>
-                  <a:srgbClr val="000000"/>
-                </a:solidFill>
-              </a:rPr>
-            </a:br>
-            <a:r>
-              <a:rPr lang="en-US" sz="2800" dirty="0">
-                <a:solidFill>
-                  <a:srgbClr val="0000CD"/>
-                </a:solidFill>
-              </a:rPr>
-              <a:t>&lt;</a:t>
-            </a:r>
-            <a:r>
-              <a:rPr lang="en-US" sz="2800" dirty="0">
-                <a:solidFill>
-                  <a:srgbClr val="A52A2A"/>
-                </a:solidFill>
-              </a:rPr>
-              <a:t>/head</a:t>
-            </a:r>
-            <a:r>
-              <a:rPr lang="en-US" sz="2800" dirty="0">
-                <a:solidFill>
-                  <a:srgbClr val="0000CD"/>
-                </a:solidFill>
-              </a:rPr>
-              <a:t>&gt;</a:t>
-            </a:r>
-            <a:br>
-              <a:rPr lang="en-US" sz="2800" dirty="0">
-                <a:solidFill>
-                  <a:srgbClr val="000000"/>
-                </a:solidFill>
-              </a:rPr>
-            </a:br>
-            <a:r>
-              <a:rPr lang="en-US" sz="2800" dirty="0">
-                <a:solidFill>
-                  <a:srgbClr val="0000CD"/>
-                </a:solidFill>
-              </a:rPr>
-              <a:t>&lt;</a:t>
-            </a:r>
-            <a:r>
-              <a:rPr lang="en-US" sz="2800" dirty="0">
-                <a:solidFill>
-                  <a:srgbClr val="A52A2A"/>
-                </a:solidFill>
-              </a:rPr>
-              <a:t>body</a:t>
-            </a:r>
-            <a:r>
-              <a:rPr lang="en-US" sz="2800" dirty="0">
-                <a:solidFill>
-                  <a:srgbClr val="0000CD"/>
-                </a:solidFill>
-              </a:rPr>
-              <a:t>&gt;</a:t>
-            </a:r>
-            <a:br>
-              <a:rPr lang="en-US" sz="2800" dirty="0">
-                <a:solidFill>
-                  <a:srgbClr val="000000"/>
-                </a:solidFill>
-              </a:rPr>
-            </a:br>
-            <a:br>
-              <a:rPr lang="en-US" sz="2800" dirty="0">
-                <a:solidFill>
-                  <a:srgbClr val="000000"/>
-                </a:solidFill>
-              </a:rPr>
-            </a:br>
-            <a:r>
-              <a:rPr lang="en-US" sz="2800" dirty="0">
-                <a:solidFill>
-                  <a:srgbClr val="0000CD"/>
-                </a:solidFill>
-              </a:rPr>
-              <a:t>&lt;</a:t>
-            </a:r>
-            <a:r>
-              <a:rPr lang="en-US" sz="2800" dirty="0">
-                <a:solidFill>
-                  <a:srgbClr val="A52A2A"/>
-                </a:solidFill>
-              </a:rPr>
-              <a:t>h1</a:t>
-            </a:r>
-            <a:r>
-              <a:rPr lang="en-US" sz="2800" dirty="0">
-                <a:solidFill>
-                  <a:srgbClr val="0000CD"/>
-                </a:solidFill>
-              </a:rPr>
-              <a:t>&gt;</a:t>
-            </a:r>
-            <a:r>
-              <a:rPr lang="en-US" sz="2800" dirty="0">
-                <a:solidFill>
-                  <a:srgbClr val="000000"/>
-                </a:solidFill>
-              </a:rPr>
-              <a:t>This is a Heading</a:t>
-            </a:r>
-            <a:r>
-              <a:rPr lang="en-US" sz="2800" dirty="0">
-                <a:solidFill>
-                  <a:srgbClr val="0000CD"/>
-                </a:solidFill>
-              </a:rPr>
-              <a:t>&lt;</a:t>
-            </a:r>
-            <a:r>
-              <a:rPr lang="en-US" sz="2800" dirty="0">
-                <a:solidFill>
-                  <a:srgbClr val="A52A2A"/>
-                </a:solidFill>
-              </a:rPr>
-              <a:t>/h1</a:t>
-            </a:r>
-            <a:r>
-              <a:rPr lang="en-US" sz="2800" dirty="0">
-                <a:solidFill>
-                  <a:srgbClr val="0000CD"/>
-                </a:solidFill>
-              </a:rPr>
-              <a:t>&gt;</a:t>
-            </a:r>
-            <a:br>
-              <a:rPr lang="en-US" sz="2800" dirty="0">
-                <a:solidFill>
-                  <a:srgbClr val="000000"/>
-                </a:solidFill>
-              </a:rPr>
-            </a:br>
-            <a:r>
-              <a:rPr lang="en-US" sz="2800" dirty="0">
-                <a:solidFill>
-                  <a:srgbClr val="0000CD"/>
-                </a:solidFill>
-              </a:rPr>
-              <a:t>&lt;</a:t>
-            </a:r>
-            <a:r>
-              <a:rPr lang="en-US" sz="2800" dirty="0">
-                <a:solidFill>
-                  <a:srgbClr val="A52A2A"/>
-                </a:solidFill>
-              </a:rPr>
-              <a:t>p</a:t>
-            </a:r>
-            <a:r>
-              <a:rPr lang="en-US" sz="2800" dirty="0">
-                <a:solidFill>
-                  <a:srgbClr val="0000CD"/>
-                </a:solidFill>
-              </a:rPr>
-              <a:t>&gt;</a:t>
-            </a:r>
-            <a:r>
-              <a:rPr lang="en-US" sz="2800" dirty="0">
-                <a:solidFill>
-                  <a:srgbClr val="000000"/>
-                </a:solidFill>
-              </a:rPr>
-              <a:t>This is a paragraph.</a:t>
-            </a:r>
-            <a:r>
-              <a:rPr lang="en-US" sz="2800" dirty="0">
-                <a:solidFill>
-                  <a:srgbClr val="0000CD"/>
-                </a:solidFill>
-              </a:rPr>
-              <a:t>&lt;</a:t>
-            </a:r>
-            <a:r>
-              <a:rPr lang="en-US" sz="2800" dirty="0">
-                <a:solidFill>
-                  <a:srgbClr val="A52A2A"/>
-                </a:solidFill>
-              </a:rPr>
-              <a:t>/p</a:t>
-            </a:r>
-            <a:r>
-              <a:rPr lang="en-US" sz="2800" dirty="0">
-                <a:solidFill>
-                  <a:srgbClr val="0000CD"/>
-                </a:solidFill>
-              </a:rPr>
-              <a:t>&gt;</a:t>
-            </a:r>
-            <a:br>
-              <a:rPr lang="en-US" sz="2800" dirty="0">
-                <a:solidFill>
-                  <a:srgbClr val="000000"/>
-                </a:solidFill>
-              </a:rPr>
-            </a:br>
-            <a:br>
-              <a:rPr lang="en-US" sz="2800" dirty="0">
-                <a:solidFill>
-                  <a:srgbClr val="000000"/>
-                </a:solidFill>
-              </a:rPr>
-            </a:br>
-            <a:r>
-              <a:rPr lang="en-US" sz="2800" dirty="0">
-                <a:solidFill>
-                  <a:srgbClr val="0000CD"/>
-                </a:solidFill>
-              </a:rPr>
-              <a:t>&lt;</a:t>
-            </a:r>
-            <a:r>
-              <a:rPr lang="en-US" sz="2800" dirty="0">
-                <a:solidFill>
-                  <a:srgbClr val="A52A2A"/>
-                </a:solidFill>
-              </a:rPr>
-              <a:t>/body</a:t>
-            </a:r>
-            <a:r>
-              <a:rPr lang="en-US" sz="2800" dirty="0">
-                <a:solidFill>
-                  <a:srgbClr val="0000CD"/>
-                </a:solidFill>
-              </a:rPr>
-              <a:t>&gt;</a:t>
-            </a:r>
-            <a:br>
-              <a:rPr lang="en-US" sz="2800" dirty="0">
-                <a:solidFill>
-                  <a:srgbClr val="000000"/>
-                </a:solidFill>
-              </a:rPr>
-            </a:br>
-            <a:r>
-              <a:rPr lang="en-US" sz="2800" dirty="0">
-                <a:solidFill>
-                  <a:srgbClr val="0000CD"/>
-                </a:solidFill>
-              </a:rPr>
-              <a:t>&lt;</a:t>
-            </a:r>
-            <a:r>
-              <a:rPr lang="en-US" sz="2800" dirty="0">
-                <a:solidFill>
-                  <a:srgbClr val="A52A2A"/>
-                </a:solidFill>
-              </a:rPr>
-              <a:t>/html</a:t>
-            </a:r>
-            <a:r>
-              <a:rPr lang="en-US" sz="2800" dirty="0">
-                <a:solidFill>
-                  <a:srgbClr val="0000CD"/>
-                </a:solidFill>
-              </a:rPr>
-              <a:t>&gt;</a:t>
-            </a:r>
-            <a:br>
-              <a:rPr lang="en-US" sz="2800" dirty="0"/>
-            </a:br>
-            <a:endParaRPr lang="en-US" sz="2800" dirty="0"/>
+              <a:rPr lang="en-US" sz="3200" dirty="0"/>
+              <a:t>;</a:t>
+            </a:r>
+            <a:endParaRPr lang="en-US" sz="3200" b="1" dirty="0">
+              <a:solidFill>
+                <a:schemeClr val="bg1"/>
+              </a:solidFill>
+            </a:endParaRPr>
           </a:p>
         </p:txBody>
       </p:sp>
     </p:spTree>
     <p:extLst>
       <p:ext uri="{BB962C8B-B14F-4D97-AF65-F5344CB8AC3E}">
-        <p14:creationId xmlns:p14="http://schemas.microsoft.com/office/powerpoint/2010/main" val="1556805822"/>
+        <p14:creationId xmlns:p14="http://schemas.microsoft.com/office/powerpoint/2010/main" val="3939829753"/>
       </p:ext>
     </p:extLst>
   </p:cSld>
@@ -21974,6 +22035,14 @@
 <file path=ppt/slides/slide20.xml><?xml version="1.0" encoding="utf-8"?>
 <p:sld xmlns:a="http://schemas.openxmlformats.org/drawingml/2006/main" xmlns:r="http://schemas.openxmlformats.org/officeDocument/2006/relationships" xmlns:p="http://schemas.openxmlformats.org/presentationml/2006/main">
   <p:cSld>
+    <p:bg>
+      <p:bgPr>
+        <a:solidFill>
+          <a:srgbClr val="00BCF2"/>
+        </a:solidFill>
+        <a:effectLst/>
+      </p:bgPr>
+    </p:bg>
     <p:spTree>
       <p:nvGrpSpPr>
         <p:cNvPr id="1" name=""/>
@@ -21998,48 +22067,10 @@
             <p:ph type="title"/>
           </p:nvPr>
         </p:nvSpPr>
-        <p:spPr/>
-        <p:txBody>
-          <a:bodyPr/>
-          <a:lstStyle/>
-          <a:p>
-            <a:r>
-              <a:rPr lang="en-US" dirty="0">
-                <a:solidFill>
-                  <a:schemeClr val="bg1"/>
-                </a:solidFill>
-              </a:rPr>
-              <a:t>SQL</a:t>
-            </a:r>
-            <a:br>
-              <a:rPr lang="en-US" dirty="0">
-                <a:solidFill>
-                  <a:schemeClr val="bg1"/>
-                </a:solidFill>
-              </a:rPr>
-            </a:br>
-            <a:endParaRPr lang="en-US" dirty="0">
-              <a:solidFill>
-                <a:schemeClr val="bg1"/>
-              </a:solidFill>
-            </a:endParaRPr>
-          </a:p>
-        </p:txBody>
-      </p:sp>
-      <p:sp>
-        <p:nvSpPr>
-          <p:cNvPr id="5" name="Text Placeholder 4"/>
-          <p:cNvSpPr>
-            <a:spLocks noGrp="1"/>
-          </p:cNvSpPr>
-          <p:nvPr>
-            <p:ph type="body" sz="quarter" idx="10"/>
-          </p:nvPr>
-        </p:nvSpPr>
         <p:spPr>
           <a:xfrm>
-            <a:off x="274638" y="1221157"/>
-            <a:ext cx="11048999" cy="2252924"/>
+            <a:off x="5380037" y="4487862"/>
+            <a:ext cx="2667000" cy="932563"/>
           </a:xfrm>
         </p:spPr>
         <p:txBody>
@@ -22047,83 +22078,52 @@
           <a:lstStyle/>
           <a:p>
             <a:r>
-              <a:rPr lang="en-US" sz="3200" dirty="0"/>
-              <a:t>SELECT </a:t>
-            </a:r>
-            <a:r>
-              <a:rPr lang="en-US" sz="3200" dirty="0">
-                <a:solidFill>
-                  <a:srgbClr val="FF0000"/>
-                </a:solidFill>
-              </a:rPr>
-              <a:t>*</a:t>
-            </a:r>
-            <a:r>
-              <a:rPr lang="en-US" sz="3200" dirty="0"/>
-              <a:t> </a:t>
-            </a:r>
-          </a:p>
-          <a:p>
-            <a:r>
-              <a:rPr lang="en-US" sz="3200" dirty="0"/>
-              <a:t>	FROM </a:t>
-            </a:r>
-            <a:r>
-              <a:rPr lang="en-US" sz="3200" dirty="0">
-                <a:solidFill>
-                  <a:srgbClr val="0070C0"/>
-                </a:solidFill>
-              </a:rPr>
-              <a:t>Book</a:t>
-            </a:r>
-            <a:r>
-              <a:rPr lang="en-US" sz="3200" dirty="0"/>
-              <a:t> </a:t>
-            </a:r>
-          </a:p>
-          <a:p>
-            <a:r>
-              <a:rPr lang="en-US" sz="3200" dirty="0"/>
-              <a:t>	WHERE price </a:t>
-            </a:r>
-            <a:r>
-              <a:rPr lang="en-US" sz="3200" dirty="0">
-                <a:solidFill>
-                  <a:srgbClr val="00B050"/>
-                </a:solidFill>
-              </a:rPr>
-              <a:t>&gt; 100.00 </a:t>
-            </a:r>
-          </a:p>
-          <a:p>
-            <a:r>
-              <a:rPr lang="en-US" sz="3200" dirty="0"/>
-              <a:t>ORDER BY </a:t>
-            </a:r>
-            <a:r>
-              <a:rPr lang="en-US" sz="3200" dirty="0">
-                <a:solidFill>
-                  <a:srgbClr val="B4009E"/>
-                </a:solidFill>
-              </a:rPr>
-              <a:t>title</a:t>
-            </a:r>
-            <a:r>
-              <a:rPr lang="en-US" sz="3200" dirty="0"/>
-              <a:t>;</a:t>
-            </a:r>
-            <a:endParaRPr lang="en-US" sz="3200" b="1" dirty="0">
-              <a:solidFill>
-                <a:schemeClr val="bg1"/>
-              </a:solidFill>
-            </a:endParaRPr>
-          </a:p>
-        </p:txBody>
-      </p:sp>
+              <a:rPr lang="en-US" sz="5400" dirty="0"/>
+              <a:t>PHP</a:t>
+            </a:r>
+          </a:p>
+        </p:txBody>
+      </p:sp>
+      <p:pic>
+        <p:nvPicPr>
+          <p:cNvPr id="5" name="Picture 4" descr="A close up of a sign&#10;&#10;Description generated with high confidence">
+            <a:extLst>
+              <a:ext uri="{FF2B5EF4-FFF2-40B4-BE49-F238E27FC236}">
+                <a16:creationId xmlns:a16="http://schemas.microsoft.com/office/drawing/2014/main" id="{5F728AC0-F0B3-4612-B67B-EEA6A4D76257}"/>
+              </a:ext>
+            </a:extLst>
+          </p:cNvPr>
+          <p:cNvPicPr>
+            <a:picLocks noChangeAspect="1"/>
+          </p:cNvPicPr>
+          <p:nvPr/>
+        </p:nvPicPr>
+        <p:blipFill>
+          <a:blip r:embed="rId3">
+            <a:extLst>
+              <a:ext uri="{837473B0-CC2E-450A-ABE3-18F120FF3D39}">
+                <a1611:picAttrSrcUrl xmlns:a1611="http://schemas.microsoft.com/office/drawing/2016/11/main" r:id="rId4"/>
+              </a:ext>
+            </a:extLst>
+          </a:blip>
+          <a:stretch>
+            <a:fillRect/>
+          </a:stretch>
+        </p:blipFill>
+        <p:spPr>
+          <a:xfrm>
+            <a:off x="3360338" y="1487068"/>
+            <a:ext cx="5715798" cy="3000794"/>
+          </a:xfrm>
+          <a:prstGeom prst="rect">
+            <a:avLst/>
+          </a:prstGeom>
+        </p:spPr>
+      </p:pic>
     </p:spTree>
     <p:extLst>
       <p:ext uri="{BB962C8B-B14F-4D97-AF65-F5344CB8AC3E}">
-        <p14:creationId xmlns:p14="http://schemas.microsoft.com/office/powerpoint/2010/main" val="3939829753"/>
+        <p14:creationId xmlns:p14="http://schemas.microsoft.com/office/powerpoint/2010/main" val="1875224251"/>
       </p:ext>
     </p:extLst>
   </p:cSld>
@@ -22133,7 +22133,7 @@
   <mc:AlternateContent xmlns:mc="http://schemas.openxmlformats.org/markup-compatibility/2006" xmlns:p159="http://schemas.microsoft.com/office/powerpoint/2015/09/main">
     <mc:Choice Requires="p159">
       <p:transition xmlns:p14="http://schemas.microsoft.com/office/powerpoint/2010/main" spd="slow" p14:dur="2000">
-        <p159:morph option="byObject"/>
+        <p159:morph option="byChar"/>
       </p:transition>
     </mc:Choice>
     <mc:Fallback xmlns="">
@@ -25067,7 +25067,7 @@
         <p:spPr>
           <a:xfrm>
             <a:off x="274638" y="1221157"/>
-            <a:ext cx="11048999" cy="5857505"/>
+            <a:ext cx="11048999" cy="4862870"/>
           </a:xfrm>
         </p:spPr>
         <p:txBody>
@@ -25191,220 +25191,6 @@
           </a:p>
           <a:p>
             <a:r>
-              <a:rPr lang="en-US" sz="3200" dirty="0">
-                <a:solidFill>
-                  <a:srgbClr val="0000FF"/>
-                </a:solidFill>
-                <a:highlight>
-                  <a:srgbClr val="FFFFFF"/>
-                </a:highlight>
-                <a:latin typeface="Courier New" panose="02070309020205020404" pitchFamily="49" charset="0"/>
-              </a:rPr>
-              <a:t>&lt;BODY</a:t>
-            </a:r>
-            <a:r>
-              <a:rPr lang="en-US" sz="3200" dirty="0">
-                <a:solidFill>
-                  <a:srgbClr val="000000"/>
-                </a:solidFill>
-                <a:highlight>
-                  <a:srgbClr val="FFFFFF"/>
-                </a:highlight>
-                <a:latin typeface="Courier New" panose="02070309020205020404" pitchFamily="49" charset="0"/>
-              </a:rPr>
-              <a:t> </a:t>
-            </a:r>
-            <a:r>
-              <a:rPr lang="en-US" sz="3200" dirty="0">
-                <a:solidFill>
-                  <a:srgbClr val="FF0000"/>
-                </a:solidFill>
-                <a:highlight>
-                  <a:srgbClr val="FFFFFF"/>
-                </a:highlight>
-                <a:latin typeface="Courier New" panose="02070309020205020404" pitchFamily="49" charset="0"/>
-              </a:rPr>
-              <a:t>BGCOLOR</a:t>
-            </a:r>
-            <a:r>
-              <a:rPr lang="en-US" sz="3200" dirty="0">
-                <a:solidFill>
-                  <a:srgbClr val="000000"/>
-                </a:solidFill>
-                <a:highlight>
-                  <a:srgbClr val="FFFFFF"/>
-                </a:highlight>
-                <a:latin typeface="Courier New" panose="02070309020205020404" pitchFamily="49" charset="0"/>
-              </a:rPr>
-              <a:t>=</a:t>
-            </a:r>
-            <a:r>
-              <a:rPr lang="en-US" sz="3200" dirty="0">
-                <a:solidFill>
-                  <a:srgbClr val="FF8000"/>
-                </a:solidFill>
-                <a:highlight>
-                  <a:srgbClr val="FEFDE0"/>
-                </a:highlight>
-                <a:latin typeface="Courier New" panose="02070309020205020404" pitchFamily="49" charset="0"/>
-              </a:rPr>
-              <a:t>“black”</a:t>
-            </a:r>
-            <a:r>
-              <a:rPr lang="en-US" sz="3200" dirty="0">
-                <a:solidFill>
-                  <a:srgbClr val="000000"/>
-                </a:solidFill>
-                <a:highlight>
-                  <a:srgbClr val="FFFFFF"/>
-                </a:highlight>
-                <a:latin typeface="Courier New" panose="02070309020205020404" pitchFamily="49" charset="0"/>
-              </a:rPr>
-              <a:t>  </a:t>
-            </a:r>
-            <a:r>
-              <a:rPr lang="en-US" sz="3200" dirty="0">
-                <a:solidFill>
-                  <a:srgbClr val="FF0000"/>
-                </a:solidFill>
-                <a:highlight>
-                  <a:srgbClr val="FFFFFF"/>
-                </a:highlight>
-                <a:latin typeface="Courier New" panose="02070309020205020404" pitchFamily="49" charset="0"/>
-              </a:rPr>
-              <a:t>TEXT</a:t>
-            </a:r>
-            <a:r>
-              <a:rPr lang="en-US" sz="3200" dirty="0">
-                <a:solidFill>
-                  <a:srgbClr val="000000"/>
-                </a:solidFill>
-                <a:highlight>
-                  <a:srgbClr val="FFFFFF"/>
-                </a:highlight>
-                <a:latin typeface="Courier New" panose="02070309020205020404" pitchFamily="49" charset="0"/>
-              </a:rPr>
-              <a:t>=</a:t>
-            </a:r>
-            <a:r>
-              <a:rPr lang="en-US" sz="3200" dirty="0">
-                <a:solidFill>
-                  <a:srgbClr val="FF8000"/>
-                </a:solidFill>
-                <a:highlight>
-                  <a:srgbClr val="FEFDE0"/>
-                </a:highlight>
-                <a:latin typeface="Courier New" panose="02070309020205020404" pitchFamily="49" charset="0"/>
-              </a:rPr>
-              <a:t>“white”</a:t>
-            </a:r>
-            <a:r>
-              <a:rPr lang="en-US" sz="3200" dirty="0">
-                <a:solidFill>
-                  <a:srgbClr val="0000FF"/>
-                </a:solidFill>
-                <a:highlight>
-                  <a:srgbClr val="FFFFFF"/>
-                </a:highlight>
-                <a:latin typeface="Courier New" panose="02070309020205020404" pitchFamily="49" charset="0"/>
-              </a:rPr>
-              <a:t>&gt;</a:t>
-            </a:r>
-            <a:endParaRPr lang="en-US" sz="3200" b="1" dirty="0">
-              <a:solidFill>
-                <a:srgbClr val="000000"/>
-              </a:solidFill>
-              <a:highlight>
-                <a:srgbClr val="FFFFFF"/>
-              </a:highlight>
-              <a:latin typeface="Courier New" panose="02070309020205020404" pitchFamily="49" charset="0"/>
-            </a:endParaRPr>
-          </a:p>
-          <a:p>
-            <a:r>
-              <a:rPr lang="en-US" sz="3200" dirty="0">
-                <a:solidFill>
-                  <a:srgbClr val="0000FF"/>
-                </a:solidFill>
-                <a:highlight>
-                  <a:srgbClr val="FFFFFF"/>
-                </a:highlight>
-                <a:latin typeface="Courier New" panose="02070309020205020404" pitchFamily="49" charset="0"/>
-              </a:rPr>
-              <a:t>&lt;BASEFONT</a:t>
-            </a:r>
-            <a:r>
-              <a:rPr lang="en-US" sz="3200" dirty="0">
-                <a:solidFill>
-                  <a:srgbClr val="000000"/>
-                </a:solidFill>
-                <a:highlight>
-                  <a:srgbClr val="FFFFFF"/>
-                </a:highlight>
-                <a:latin typeface="Courier New" panose="02070309020205020404" pitchFamily="49" charset="0"/>
-              </a:rPr>
-              <a:t> </a:t>
-            </a:r>
-            <a:r>
-              <a:rPr lang="en-US" sz="3200" dirty="0">
-                <a:solidFill>
-                  <a:srgbClr val="FF0000"/>
-                </a:solidFill>
-                <a:highlight>
-                  <a:srgbClr val="FFFFFF"/>
-                </a:highlight>
-                <a:latin typeface="Courier New" panose="02070309020205020404" pitchFamily="49" charset="0"/>
-              </a:rPr>
-              <a:t>SIZE</a:t>
-            </a:r>
-            <a:r>
-              <a:rPr lang="en-US" sz="3200" dirty="0">
-                <a:solidFill>
-                  <a:srgbClr val="000000"/>
-                </a:solidFill>
-                <a:highlight>
-                  <a:srgbClr val="FFFFFF"/>
-                </a:highlight>
-                <a:latin typeface="Courier New" panose="02070309020205020404" pitchFamily="49" charset="0"/>
-              </a:rPr>
-              <a:t>=</a:t>
-            </a:r>
-            <a:r>
-              <a:rPr lang="en-US" sz="3200" dirty="0">
-                <a:solidFill>
-                  <a:srgbClr val="FF0000"/>
-                </a:solidFill>
-                <a:highlight>
-                  <a:srgbClr val="FFFFFF"/>
-                </a:highlight>
-                <a:latin typeface="Courier New" panose="02070309020205020404" pitchFamily="49" charset="0"/>
-              </a:rPr>
-              <a:t>7</a:t>
-            </a:r>
-            <a:r>
-              <a:rPr lang="en-US" sz="3200" dirty="0">
-                <a:solidFill>
-                  <a:srgbClr val="0000FF"/>
-                </a:solidFill>
-                <a:highlight>
-                  <a:srgbClr val="FFFFFF"/>
-                </a:highlight>
-                <a:latin typeface="Courier New" panose="02070309020205020404" pitchFamily="49" charset="0"/>
-              </a:rPr>
-              <a:t>&gt;</a:t>
-            </a:r>
-            <a:endParaRPr lang="en-US" sz="3200" b="1" dirty="0">
-              <a:solidFill>
-                <a:srgbClr val="000000"/>
-              </a:solidFill>
-              <a:highlight>
-                <a:srgbClr val="FFFFFF"/>
-              </a:highlight>
-              <a:latin typeface="Courier New" panose="02070309020205020404" pitchFamily="49" charset="0"/>
-            </a:endParaRPr>
-          </a:p>
-          <a:p>
-            <a:r>
               <a:rPr lang="en-US" sz="3200" b="1" dirty="0">
                 <a:solidFill>
                   <a:srgbClr val="000000"/>
@@ -25414,7 +25200,7 @@
                 </a:highlight>
                 <a:latin typeface="Courier New" panose="02070309020205020404" pitchFamily="49" charset="0"/>
               </a:rPr>
-              <a:t>      This is where you would include the text and images on your Web page.</a:t>
+              <a:t>This is where you would include the text and images on your Web page.</a:t>
             </a:r>
           </a:p>
           <a:p>
@@ -35373,6 +35159,21 @@
 </file>
 
 <file path=customXml/item1.xml><?xml version="1.0" encoding="utf-8"?>
+<p:properties xmlns:p="http://schemas.microsoft.com/office/2006/metadata/properties" xmlns:xsi="http://www.w3.org/2001/XMLSchema-instance" xmlns:pc="http://schemas.microsoft.com/office/infopath/2007/PartnerControls">
+  <documentManagement/>
+</p:properties>
+</file>
+
+<file path=customXml/item2.xml><?xml version="1.0" encoding="utf-8"?>
+<?mso-contentType ?>
+<FormTemplates xmlns="http://schemas.microsoft.com/sharepoint/v3/contenttype/forms">
+  <Display>DocumentLibraryForm</Display>
+  <Edit>DocumentLibraryForm</Edit>
+  <New>DocumentLibraryForm</New>
+</FormTemplates>
+</file>
+
+<file path=customXml/item3.xml><?xml version="1.0" encoding="utf-8"?>
 <ct:contentTypeSchema xmlns:ct="http://schemas.microsoft.com/office/2006/metadata/contentType" xmlns:ma="http://schemas.microsoft.com/office/2006/metadata/properties/metaAttributes" ct:_="" ma:_="" ma:contentTypeName="Document" ma:contentTypeID="0x010100A2B0BB5962AB3C45A9A1CE1EC4C4F647" ma:contentTypeVersion="3" ma:contentTypeDescription="Create a new document." ma:contentTypeScope="" ma:versionID="f0876370c90de824ab54c09b0bd2a056">
   <xsd:schema xmlns:xsd="http://www.w3.org/2001/XMLSchema" xmlns:xs="http://www.w3.org/2001/XMLSchema" xmlns:p="http://schemas.microsoft.com/office/2006/metadata/properties" xmlns:ns3="630a2e83-186a-4a0f-ab27-bee8a8096abc" targetNamespace="http://schemas.microsoft.com/office/2006/metadata/properties" ma:root="true" ma:fieldsID="a2a3b5ed8b4accd7c8a398d0cb075271" ns3:_="">
     <xsd:import namespace="630a2e83-186a-4a0f-ab27-bee8a8096abc"/>
@@ -35526,22 +35327,31 @@
 </ct:contentTypeSchema>
 </file>
 
-<file path=customXml/item2.xml><?xml version="1.0" encoding="utf-8"?>
-<p:properties xmlns:p="http://schemas.microsoft.com/office/2006/metadata/properties" xmlns:xsi="http://www.w3.org/2001/XMLSchema-instance" xmlns:pc="http://schemas.microsoft.com/office/infopath/2007/PartnerControls">
-  <documentManagement/>
-</p:properties>
+<file path=customXml/itemProps1.xml><?xml version="1.0" encoding="utf-8"?>
+<ds:datastoreItem xmlns:ds="http://schemas.openxmlformats.org/officeDocument/2006/customXml" ds:itemID="{F990F116-B58F-4255-B05B-DA3808E0E5C6}">
+  <ds:schemaRefs>
+    <ds:schemaRef ds:uri="http://purl.org/dc/terms/"/>
+    <ds:schemaRef ds:uri="http://schemas.openxmlformats.org/package/2006/metadata/core-properties"/>
+    <ds:schemaRef ds:uri="630a2e83-186a-4a0f-ab27-bee8a8096abc"/>
+    <ds:schemaRef ds:uri="http://purl.org/dc/dcmitype/"/>
+    <ds:schemaRef ds:uri="http://schemas.microsoft.com/office/infopath/2007/PartnerControls"/>
+    <ds:schemaRef ds:uri="http://purl.org/dc/elements/1.1/"/>
+    <ds:schemaRef ds:uri="http://schemas.microsoft.com/office/2006/documentManagement/types"/>
+    <ds:schemaRef ds:uri="http://schemas.microsoft.com/office/2006/metadata/properties"/>
+    <ds:schemaRef ds:uri="http://www.w3.org/XML/1998/namespace"/>
+  </ds:schemaRefs>
+</ds:datastoreItem>
 </file>
 
-<file path=customXml/item3.xml><?xml version="1.0" encoding="utf-8"?>
-<?mso-contentType ?>
-<FormTemplates xmlns="http://schemas.microsoft.com/sharepoint/v3/contenttype/forms">
-  <Display>DocumentLibraryForm</Display>
-  <Edit>DocumentLibraryForm</Edit>
-  <New>DocumentLibraryForm</New>
-</FormTemplates>
+<file path=customXml/itemProps2.xml><?xml version="1.0" encoding="utf-8"?>
+<ds:datastoreItem xmlns:ds="http://schemas.openxmlformats.org/officeDocument/2006/customXml" ds:itemID="{758FDAC0-319D-4A54-8D8E-1D42CB1F8004}">
+  <ds:schemaRefs>
+    <ds:schemaRef ds:uri="http://schemas.microsoft.com/sharepoint/v3/contenttype/forms"/>
+  </ds:schemaRefs>
+</ds:datastoreItem>
 </file>
 
-<file path=customXml/itemProps1.xml><?xml version="1.0" encoding="utf-8"?>
+<file path=customXml/itemProps3.xml><?xml version="1.0" encoding="utf-8"?>
 <ds:datastoreItem xmlns:ds="http://schemas.openxmlformats.org/officeDocument/2006/customXml" ds:itemID="{A57F4CF9-F78A-44CC-A3DD-BB8B8C12128D}">
   <ds:schemaRefs>
     <ds:schemaRef ds:uri="http://schemas.microsoft.com/office/2006/metadata/contentType"/>
@@ -35557,28 +35367,4 @@
     <ds:schemaRef ds:uri="http://schemas.microsoft.com/internal/obd"/>
   </ds:schemaRefs>
 </ds:datastoreItem>
-</file>
-
-<file path=customXml/itemProps2.xml><?xml version="1.0" encoding="utf-8"?>
-<ds:datastoreItem xmlns:ds="http://schemas.openxmlformats.org/officeDocument/2006/customXml" ds:itemID="{F990F116-B58F-4255-B05B-DA3808E0E5C6}">
-  <ds:schemaRefs>
-    <ds:schemaRef ds:uri="http://purl.org/dc/terms/"/>
-    <ds:schemaRef ds:uri="http://schemas.openxmlformats.org/package/2006/metadata/core-properties"/>
-    <ds:schemaRef ds:uri="630a2e83-186a-4a0f-ab27-bee8a8096abc"/>
-    <ds:schemaRef ds:uri="http://purl.org/dc/dcmitype/"/>
-    <ds:schemaRef ds:uri="http://schemas.microsoft.com/office/infopath/2007/PartnerControls"/>
-    <ds:schemaRef ds:uri="http://purl.org/dc/elements/1.1/"/>
-    <ds:schemaRef ds:uri="http://schemas.microsoft.com/office/2006/documentManagement/types"/>
-    <ds:schemaRef ds:uri="http://schemas.microsoft.com/office/2006/metadata/properties"/>
-    <ds:schemaRef ds:uri="http://www.w3.org/XML/1998/namespace"/>
-  </ds:schemaRefs>
-</ds:datastoreItem>
-</file>
-
-<file path=customXml/itemProps3.xml><?xml version="1.0" encoding="utf-8"?>
-<ds:datastoreItem xmlns:ds="http://schemas.openxmlformats.org/officeDocument/2006/customXml" ds:itemID="{758FDAC0-319D-4A54-8D8E-1D42CB1F8004}">
-  <ds:schemaRefs>
-    <ds:schemaRef ds:uri="http://schemas.microsoft.com/sharepoint/v3/contenttype/forms"/>
-  </ds:schemaRefs>
-</ds:datastoreItem>
 </file>
--- a/Chapter 1/L01 - Intro to PHP.pptx
+++ b/Chapter 1/L01 - Intro to PHP.pptx
@@ -31,9 +31,9 @@
     <p:sldId id="1350" r:id="rId22"/>
     <p:sldId id="1354" r:id="rId23"/>
     <p:sldId id="1372" r:id="rId24"/>
-    <p:sldId id="1376" r:id="rId25"/>
+    <p:sldId id="1375" r:id="rId25"/>
     <p:sldId id="1374" r:id="rId26"/>
-    <p:sldId id="1375" r:id="rId27"/>
+    <p:sldId id="1376" r:id="rId27"/>
     <p:sldId id="1356" r:id="rId28"/>
     <p:sldId id="1377" r:id="rId29"/>
     <p:sldId id="1381" r:id="rId30"/>
@@ -203,9 +203,9 @@
             <p14:sldId id="1350"/>
             <p14:sldId id="1354"/>
             <p14:sldId id="1372"/>
+            <p14:sldId id="1375"/>
+            <p14:sldId id="1374"/>
             <p14:sldId id="1376"/>
-            <p14:sldId id="1374"/>
-            <p14:sldId id="1375"/>
             <p14:sldId id="1356"/>
             <p14:sldId id="1377"/>
             <p14:sldId id="1381"/>
@@ -300,10 +300,6 @@
 </p:cmAuthorLst>
 </file>
 
-<file path=ppt/revisionInfo.xml><?xml version="1.0" encoding="utf-8"?>
-<p1510:revInfo xmlns:a="http://schemas.openxmlformats.org/drawingml/2006/main" xmlns:r="http://schemas.openxmlformats.org/officeDocument/2006/relationships" xmlns:p1510="http://schemas.microsoft.com/office/powerpoint/2015/10/main"/>
-</file>
-
 <file path=ppt/handoutMasters/handoutMaster1.xml><?xml version="1.0" encoding="utf-8"?>
 <p:handoutMaster xmlns:a="http://schemas.openxmlformats.org/drawingml/2006/main" xmlns:r="http://schemas.openxmlformats.org/officeDocument/2006/relationships" xmlns:p="http://schemas.openxmlformats.org/presentationml/2006/main">
   <p:cSld>
@@ -390,7 +386,7 @@
               <a:rPr lang="en-US" smtClean="0">
                 <a:latin typeface="Segoe UI" pitchFamily="34" charset="0"/>
               </a:rPr>
-              <a:t>2/5/2018 9:39 AM</a:t>
+              <a:t>2/18/2019 4:43 PM</a:t>
             </a:fld>
             <a:endParaRPr lang="en-US" dirty="0">
               <a:latin typeface="Segoe UI" pitchFamily="34" charset="0"/>
@@ -668,7 +664,7 @@
           <a:p>
             <a:fld id="{79C601B9-5273-467A-8E48-EC9939578C8F}" type="datetime8">
               <a:rPr lang="en-US" smtClean="0"/>
-              <a:t>2/5/2018 9:39 AM</a:t>
+              <a:t>2/18/2019 4:42 PM</a:t>
             </a:fld>
             <a:endParaRPr lang="en-US" dirty="0"/>
           </a:p>
@@ -1054,7 +1050,7 @@
           <a:p>
             <a:fld id="{79C601B9-5273-467A-8E48-EC9939578C8F}" type="datetime8">
               <a:rPr lang="en-US" smtClean="0"/>
-              <a:t>2/5/2018 9:39 AM</a:t>
+              <a:t>2/18/2019 4:42 PM</a:t>
             </a:fld>
             <a:endParaRPr lang="en-US" dirty="0"/>
           </a:p>
@@ -1189,7 +1185,7 @@
           <a:p>
             <a:fld id="{9AB2E0C1-2107-4DA2-BB49-BDF54AED96B7}" type="datetime8">
               <a:rPr lang="en-US" smtClean="0"/>
-              <a:t>2/5/2018 9:39 AM</a:t>
+              <a:t>2/18/2019 4:42 PM</a:t>
             </a:fld>
             <a:endParaRPr lang="en-US" dirty="0"/>
           </a:p>
@@ -1378,7 +1374,7 @@
           <a:p>
             <a:fld id="{9AB2E0C1-2107-4DA2-BB49-BDF54AED96B7}" type="datetime8">
               <a:rPr lang="en-US" smtClean="0"/>
-              <a:t>2/5/2018 9:39 AM</a:t>
+              <a:t>2/18/2019 4:42 PM</a:t>
             </a:fld>
             <a:endParaRPr lang="en-US" dirty="0"/>
           </a:p>
@@ -1564,7 +1560,7 @@
           <a:p>
             <a:fld id="{A48DDB6F-2ACB-4D85-85EB-7238383AEC72}" type="datetime8">
               <a:rPr lang="en-US" smtClean="0"/>
-              <a:t>2/5/2018 9:39 AM</a:t>
+              <a:t>2/18/2019 4:42 PM</a:t>
             </a:fld>
             <a:endParaRPr lang="en-US" dirty="0"/>
           </a:p>
@@ -1748,7 +1744,7 @@
           <a:p>
             <a:fld id="{9AB2E0C1-2107-4DA2-BB49-BDF54AED96B7}" type="datetime8">
               <a:rPr lang="en-US" smtClean="0"/>
-              <a:t>2/5/2018 9:39 AM</a:t>
+              <a:t>2/18/2019 4:42 PM</a:t>
             </a:fld>
             <a:endParaRPr lang="en-US" dirty="0"/>
           </a:p>
@@ -1934,7 +1930,7 @@
           <a:p>
             <a:fld id="{A48DDB6F-2ACB-4D85-85EB-7238383AEC72}" type="datetime8">
               <a:rPr lang="en-US" smtClean="0"/>
-              <a:t>2/5/2018 9:39 AM</a:t>
+              <a:t>2/18/2019 4:42 PM</a:t>
             </a:fld>
             <a:endParaRPr lang="en-US" dirty="0"/>
           </a:p>
@@ -2016,7 +2012,7 @@
     </p:spTree>
     <p:extLst>
       <p:ext uri="{BB962C8B-B14F-4D97-AF65-F5344CB8AC3E}">
-        <p14:creationId xmlns:p14="http://schemas.microsoft.com/office/powerpoint/2010/main" val="790284972"/>
+        <p14:creationId xmlns:p14="http://schemas.microsoft.com/office/powerpoint/2010/main" val="2257550897"/>
       </p:ext>
     </p:extLst>
   </p:cSld>
@@ -2118,7 +2114,7 @@
           <a:p>
             <a:fld id="{9AB2E0C1-2107-4DA2-BB49-BDF54AED96B7}" type="datetime8">
               <a:rPr lang="en-US" smtClean="0"/>
-              <a:t>2/5/2018 9:39 AM</a:t>
+              <a:t>2/18/2019 4:42 PM</a:t>
             </a:fld>
             <a:endParaRPr lang="en-US" dirty="0"/>
           </a:p>
@@ -2304,7 +2300,7 @@
           <a:p>
             <a:fld id="{A48DDB6F-2ACB-4D85-85EB-7238383AEC72}" type="datetime8">
               <a:rPr lang="en-US" smtClean="0"/>
-              <a:t>2/5/2018 9:39 AM</a:t>
+              <a:t>2/18/2019 4:42 PM</a:t>
             </a:fld>
             <a:endParaRPr lang="en-US" dirty="0"/>
           </a:p>
@@ -2386,7 +2382,7 @@
     </p:spTree>
     <p:extLst>
       <p:ext uri="{BB962C8B-B14F-4D97-AF65-F5344CB8AC3E}">
-        <p14:creationId xmlns:p14="http://schemas.microsoft.com/office/powerpoint/2010/main" val="2257550897"/>
+        <p14:creationId xmlns:p14="http://schemas.microsoft.com/office/powerpoint/2010/main" val="790284972"/>
       </p:ext>
     </p:extLst>
   </p:cSld>
@@ -2480,7 +2476,7 @@
           <a:p>
             <a:fld id="{9AB2E0C1-2107-4DA2-BB49-BDF54AED96B7}" type="datetime8">
               <a:rPr lang="en-US" smtClean="0"/>
-              <a:t>2/5/2018 9:39 AM</a:t>
+              <a:t>2/18/2019 4:42 PM</a:t>
             </a:fld>
             <a:endParaRPr lang="en-US" dirty="0"/>
           </a:p>
@@ -2715,7 +2711,7 @@
           <a:p>
             <a:fld id="{79C601B9-5273-467A-8E48-EC9939578C8F}" type="datetime8">
               <a:rPr lang="en-US" smtClean="0"/>
-              <a:t>2/5/2018 9:39 AM</a:t>
+              <a:t>2/18/2019 4:42 PM</a:t>
             </a:fld>
             <a:endParaRPr lang="en-US" dirty="0"/>
           </a:p>
@@ -2896,7 +2892,7 @@
           <a:p>
             <a:fld id="{79C601B9-5273-467A-8E48-EC9939578C8F}" type="datetime8">
               <a:rPr lang="en-US" smtClean="0"/>
-              <a:t>2/5/2018 9:39 AM</a:t>
+              <a:t>2/18/2019 4:42 PM</a:t>
             </a:fld>
             <a:endParaRPr lang="en-US" dirty="0"/>
           </a:p>
@@ -3077,7 +3073,7 @@
           <a:p>
             <a:fld id="{79C601B9-5273-467A-8E48-EC9939578C8F}" type="datetime8">
               <a:rPr lang="en-US" smtClean="0"/>
-              <a:t>2/5/2018 9:39 AM</a:t>
+              <a:t>2/18/2019 4:42 PM</a:t>
             </a:fld>
             <a:endParaRPr lang="en-US" dirty="0"/>
           </a:p>
@@ -3204,7 +3200,7 @@
           <a:p>
             <a:fld id="{9AB2E0C1-2107-4DA2-BB49-BDF54AED96B7}" type="datetime8">
               <a:rPr lang="en-US" smtClean="0"/>
-              <a:t>2/5/2018 9:39 AM</a:t>
+              <a:t>2/18/2019 4:42 PM</a:t>
             </a:fld>
             <a:endParaRPr lang="en-US" dirty="0"/>
           </a:p>
@@ -3439,7 +3435,7 @@
           <a:p>
             <a:fld id="{79C601B9-5273-467A-8E48-EC9939578C8F}" type="datetime8">
               <a:rPr lang="en-US" smtClean="0"/>
-              <a:t>2/5/2018 9:39 AM</a:t>
+              <a:t>2/18/2019 4:42 PM</a:t>
             </a:fld>
             <a:endParaRPr lang="en-US" dirty="0"/>
           </a:p>
@@ -3566,7 +3562,7 @@
           <a:p>
             <a:fld id="{9AB2E0C1-2107-4DA2-BB49-BDF54AED96B7}" type="datetime8">
               <a:rPr lang="en-US" smtClean="0"/>
-              <a:t>2/5/2018 9:39 AM</a:t>
+              <a:t>2/18/2019 4:42 PM</a:t>
             </a:fld>
             <a:endParaRPr lang="en-US" dirty="0"/>
           </a:p>
@@ -3752,7 +3748,7 @@
           <a:p>
             <a:fld id="{A48DDB6F-2ACB-4D85-85EB-7238383AEC72}" type="datetime8">
               <a:rPr lang="en-US" smtClean="0"/>
-              <a:t>2/5/2018 9:39 AM</a:t>
+              <a:t>2/18/2019 4:42 PM</a:t>
             </a:fld>
             <a:endParaRPr lang="en-US" dirty="0"/>
           </a:p>
@@ -3982,7 +3978,7 @@
           <a:p>
             <a:fld id="{79C601B9-5273-467A-8E48-EC9939578C8F}" type="datetime8">
               <a:rPr lang="en-US" smtClean="0"/>
-              <a:t>2/5/2018 9:39 AM</a:t>
+              <a:t>2/18/2019 4:42 PM</a:t>
             </a:fld>
             <a:endParaRPr lang="en-US" dirty="0"/>
           </a:p>
@@ -4114,7 +4110,7 @@
           <a:p>
             <a:fld id="{A48DDB6F-2ACB-4D85-85EB-7238383AEC72}" type="datetime8">
               <a:rPr lang="en-US" smtClean="0"/>
-              <a:t>2/5/2018 9:39 AM</a:t>
+              <a:t>2/18/2019 4:42 PM</a:t>
             </a:fld>
             <a:endParaRPr lang="en-US" dirty="0"/>
           </a:p>
@@ -4344,7 +4340,7 @@
           <a:p>
             <a:fld id="{79C601B9-5273-467A-8E48-EC9939578C8F}" type="datetime8">
               <a:rPr lang="en-US" smtClean="0"/>
-              <a:t>2/5/2018 9:39 AM</a:t>
+              <a:t>2/18/2019 4:42 PM</a:t>
             </a:fld>
             <a:endParaRPr lang="en-US" dirty="0"/>
           </a:p>
@@ -4525,7 +4521,7 @@
           <a:p>
             <a:fld id="{79C601B9-5273-467A-8E48-EC9939578C8F}" type="datetime8">
               <a:rPr lang="en-US" smtClean="0"/>
-              <a:t>2/5/2018 9:39 AM</a:t>
+              <a:t>2/18/2019 4:42 PM</a:t>
             </a:fld>
             <a:endParaRPr lang="en-US" dirty="0"/>
           </a:p>
@@ -4657,7 +4653,7 @@
           <a:p>
             <a:fld id="{A48DDB6F-2ACB-4D85-85EB-7238383AEC72}" type="datetime8">
               <a:rPr lang="en-US" smtClean="0"/>
-              <a:t>2/5/2018 9:39 AM</a:t>
+              <a:t>2/18/2019 4:42 PM</a:t>
             </a:fld>
             <a:endParaRPr lang="en-US" dirty="0"/>
           </a:p>
@@ -4887,7 +4883,7 @@
           <a:p>
             <a:fld id="{79C601B9-5273-467A-8E48-EC9939578C8F}" type="datetime8">
               <a:rPr lang="en-US" smtClean="0"/>
-              <a:t>2/5/2018 9:39 AM</a:t>
+              <a:t>2/18/2019 4:42 PM</a:t>
             </a:fld>
             <a:endParaRPr lang="en-US" dirty="0"/>
           </a:p>
@@ -5068,7 +5064,7 @@
           <a:p>
             <a:fld id="{79C601B9-5273-467A-8E48-EC9939578C8F}" type="datetime8">
               <a:rPr lang="en-US" smtClean="0"/>
-              <a:t>2/5/2018 9:39 AM</a:t>
+              <a:t>2/18/2019 4:42 PM</a:t>
             </a:fld>
             <a:endParaRPr lang="en-US" dirty="0"/>
           </a:p>
@@ -5200,7 +5196,7 @@
           <a:p>
             <a:fld id="{A48DDB6F-2ACB-4D85-85EB-7238383AEC72}" type="datetime8">
               <a:rPr lang="en-US" smtClean="0"/>
-              <a:t>2/5/2018 9:39 AM</a:t>
+              <a:t>2/18/2019 4:42 PM</a:t>
             </a:fld>
             <a:endParaRPr lang="en-US" dirty="0"/>
           </a:p>
@@ -5430,7 +5426,7 @@
           <a:p>
             <a:fld id="{79C601B9-5273-467A-8E48-EC9939578C8F}" type="datetime8">
               <a:rPr lang="en-US" smtClean="0"/>
-              <a:t>2/5/2018 9:39 AM</a:t>
+              <a:t>2/18/2019 4:42 PM</a:t>
             </a:fld>
             <a:endParaRPr lang="en-US" dirty="0"/>
           </a:p>
@@ -5562,7 +5558,7 @@
           <a:p>
             <a:fld id="{A48DDB6F-2ACB-4D85-85EB-7238383AEC72}" type="datetime8">
               <a:rPr lang="en-US" smtClean="0"/>
-              <a:t>2/5/2018 9:39 AM</a:t>
+              <a:t>2/18/2019 4:42 PM</a:t>
             </a:fld>
             <a:endParaRPr lang="en-US" dirty="0"/>
           </a:p>
@@ -5792,7 +5788,7 @@
           <a:p>
             <a:fld id="{79C601B9-5273-467A-8E48-EC9939578C8F}" type="datetime8">
               <a:rPr lang="en-US" smtClean="0"/>
-              <a:t>2/5/2018 9:39 AM</a:t>
+              <a:t>2/18/2019 4:42 PM</a:t>
             </a:fld>
             <a:endParaRPr lang="en-US" dirty="0"/>
           </a:p>
@@ -5924,7 +5920,7 @@
           <a:p>
             <a:fld id="{A48DDB6F-2ACB-4D85-85EB-7238383AEC72}" type="datetime8">
               <a:rPr lang="en-US" smtClean="0"/>
-              <a:t>2/5/2018 9:39 AM</a:t>
+              <a:t>2/18/2019 4:42 PM</a:t>
             </a:fld>
             <a:endParaRPr lang="en-US" dirty="0"/>
           </a:p>
@@ -6154,7 +6150,7 @@
           <a:p>
             <a:fld id="{79C601B9-5273-467A-8E48-EC9939578C8F}" type="datetime8">
               <a:rPr lang="en-US" smtClean="0"/>
-              <a:t>2/5/2018 9:39 AM</a:t>
+              <a:t>2/18/2019 4:42 PM</a:t>
             </a:fld>
             <a:endParaRPr lang="en-US" dirty="0"/>
           </a:p>
@@ -6335,7 +6331,7 @@
           <a:p>
             <a:fld id="{79C601B9-5273-467A-8E48-EC9939578C8F}" type="datetime8">
               <a:rPr lang="en-US" smtClean="0"/>
-              <a:t>2/5/2018 9:39 AM</a:t>
+              <a:t>2/18/2019 4:42 PM</a:t>
             </a:fld>
             <a:endParaRPr lang="en-US" dirty="0"/>
           </a:p>
@@ -6467,7 +6463,7 @@
           <a:p>
             <a:fld id="{A48DDB6F-2ACB-4D85-85EB-7238383AEC72}" type="datetime8">
               <a:rPr lang="en-US" smtClean="0"/>
-              <a:t>2/5/2018 9:39 AM</a:t>
+              <a:t>2/18/2019 4:42 PM</a:t>
             </a:fld>
             <a:endParaRPr lang="en-US" dirty="0"/>
           </a:p>
@@ -6697,7 +6693,7 @@
           <a:p>
             <a:fld id="{79C601B9-5273-467A-8E48-EC9939578C8F}" type="datetime8">
               <a:rPr lang="en-US" smtClean="0"/>
-              <a:t>2/5/2018 9:39 AM</a:t>
+              <a:t>2/18/2019 4:42 PM</a:t>
             </a:fld>
             <a:endParaRPr lang="en-US" dirty="0"/>
           </a:p>
@@ -6829,7 +6825,7 @@
           <a:p>
             <a:fld id="{A48DDB6F-2ACB-4D85-85EB-7238383AEC72}" type="datetime8">
               <a:rPr lang="en-US" smtClean="0"/>
-              <a:t>2/5/2018 9:39 AM</a:t>
+              <a:t>2/18/2019 4:42 PM</a:t>
             </a:fld>
             <a:endParaRPr lang="en-US" dirty="0"/>
           </a:p>
@@ -7005,7 +7001,7 @@
           <a:p>
             <a:fld id="{9AB2E0C1-2107-4DA2-BB49-BDF54AED96B7}" type="datetime8">
               <a:rPr lang="en-US" smtClean="0"/>
-              <a:t>2/5/2018 9:39 AM</a:t>
+              <a:t>2/18/2019 4:42 PM</a:t>
             </a:fld>
             <a:endParaRPr lang="en-US" dirty="0"/>
           </a:p>
@@ -7191,7 +7187,7 @@
           <a:p>
             <a:fld id="{A48DDB6F-2ACB-4D85-85EB-7238383AEC72}" type="datetime8">
               <a:rPr lang="en-US" smtClean="0"/>
-              <a:t>2/5/2018 9:39 AM</a:t>
+              <a:t>2/18/2019 4:42 PM</a:t>
             </a:fld>
             <a:endParaRPr lang="en-US" dirty="0"/>
           </a:p>
@@ -7421,7 +7417,7 @@
           <a:p>
             <a:fld id="{79C601B9-5273-467A-8E48-EC9939578C8F}" type="datetime8">
               <a:rPr lang="en-US" smtClean="0"/>
-              <a:t>2/5/2018 9:39 AM</a:t>
+              <a:t>2/18/2019 4:42 PM</a:t>
             </a:fld>
             <a:endParaRPr lang="en-US" dirty="0"/>
           </a:p>
@@ -7602,7 +7598,7 @@
           <a:p>
             <a:fld id="{79C601B9-5273-467A-8E48-EC9939578C8F}" type="datetime8">
               <a:rPr lang="en-US" smtClean="0"/>
-              <a:t>2/5/2018 9:39 AM</a:t>
+              <a:t>2/18/2019 4:42 PM</a:t>
             </a:fld>
             <a:endParaRPr lang="en-US" dirty="0"/>
           </a:p>
@@ -7734,7 +7730,7 @@
           <a:p>
             <a:fld id="{A48DDB6F-2ACB-4D85-85EB-7238383AEC72}" type="datetime8">
               <a:rPr lang="en-US" smtClean="0"/>
-              <a:t>2/5/2018 9:39 AM</a:t>
+              <a:t>2/18/2019 4:42 PM</a:t>
             </a:fld>
             <a:endParaRPr lang="en-US" dirty="0"/>
           </a:p>
@@ -7964,7 +7960,7 @@
           <a:p>
             <a:fld id="{79C601B9-5273-467A-8E48-EC9939578C8F}" type="datetime8">
               <a:rPr lang="en-US" smtClean="0"/>
-              <a:t>2/5/2018 9:39 AM</a:t>
+              <a:t>2/18/2019 4:42 PM</a:t>
             </a:fld>
             <a:endParaRPr lang="en-US" dirty="0"/>
           </a:p>
@@ -8091,7 +8087,7 @@
           <a:p>
             <a:fld id="{9AB2E0C1-2107-4DA2-BB49-BDF54AED96B7}" type="datetime8">
               <a:rPr lang="en-US" smtClean="0"/>
-              <a:t>2/5/2018 9:39 AM</a:t>
+              <a:t>2/18/2019 4:42 PM</a:t>
             </a:fld>
             <a:endParaRPr lang="en-US" dirty="0"/>
           </a:p>
@@ -8295,7 +8291,7 @@
                   <a:prstClr val="black"/>
                 </a:solidFill>
               </a:rPr>
-              <a:t>2/5/2018 9:39 AM</a:t>
+              <a:t>2/18/2019 4:42 PM</a:t>
             </a:fld>
             <a:endParaRPr lang="en-US" dirty="0">
               <a:solidFill>
@@ -8488,7 +8484,7 @@
           <a:p>
             <a:fld id="{9AB2E0C1-2107-4DA2-BB49-BDF54AED96B7}" type="datetime8">
               <a:rPr lang="en-US" smtClean="0"/>
-              <a:t>2/5/2018 9:39 AM</a:t>
+              <a:t>2/18/2019 4:42 PM</a:t>
             </a:fld>
             <a:endParaRPr lang="en-US" dirty="0"/>
           </a:p>
@@ -8669,7 +8665,7 @@
           <a:p>
             <a:fld id="{9AB2E0C1-2107-4DA2-BB49-BDF54AED96B7}" type="datetime8">
               <a:rPr lang="en-US" smtClean="0"/>
-              <a:t>2/5/2018 9:39 AM</a:t>
+              <a:t>2/18/2019 4:42 PM</a:t>
             </a:fld>
             <a:endParaRPr lang="en-US" dirty="0"/>
           </a:p>
@@ -8858,7 +8854,7 @@
           <a:p>
             <a:fld id="{9AB2E0C1-2107-4DA2-BB49-BDF54AED96B7}" type="datetime8">
               <a:rPr lang="en-US" smtClean="0"/>
-              <a:t>2/5/2018 9:39 AM</a:t>
+              <a:t>2/18/2019 4:42 PM</a:t>
             </a:fld>
             <a:endParaRPr lang="en-US" dirty="0"/>
           </a:p>
@@ -9039,7 +9035,7 @@
           <a:p>
             <a:fld id="{9AB2E0C1-2107-4DA2-BB49-BDF54AED96B7}" type="datetime8">
               <a:rPr lang="en-US" smtClean="0"/>
-              <a:t>2/5/2018 9:39 AM</a:t>
+              <a:t>2/18/2019 4:42 PM</a:t>
             </a:fld>
             <a:endParaRPr lang="en-US" dirty="0"/>
           </a:p>
@@ -9228,7 +9224,7 @@
           <a:p>
             <a:fld id="{9AB2E0C1-2107-4DA2-BB49-BDF54AED96B7}" type="datetime8">
               <a:rPr lang="en-US" smtClean="0"/>
-              <a:t>2/5/2018 9:39 AM</a:t>
+              <a:t>2/18/2019 4:42 PM</a:t>
             </a:fld>
             <a:endParaRPr lang="en-US" dirty="0"/>
           </a:p>
@@ -21671,7 +21667,7 @@
                   <a:schemeClr val="bg1"/>
                 </a:solidFill>
               </a:rPr>
-              <a:t>SQL</a:t>
+              <a:t>PHP</a:t>
             </a:r>
             <a:br>
               <a:rPr lang="en-US" dirty="0">
@@ -21701,7 +21697,7 @@
         <p:spPr>
           <a:xfrm>
             <a:off x="274638" y="1221157"/>
-            <a:ext cx="11048999" cy="2252924"/>
+            <a:ext cx="11048999" cy="2876172"/>
           </a:xfrm>
         </p:spPr>
         <p:txBody>
@@ -21709,83 +21705,37 @@
           <a:lstStyle/>
           <a:p>
             <a:r>
-              <a:rPr lang="en-US" sz="3200" dirty="0"/>
-              <a:t>SELECT </a:t>
-            </a:r>
-            <a:r>
-              <a:rPr lang="en-US" sz="3200" dirty="0">
-                <a:solidFill>
-                  <a:srgbClr val="FF0000"/>
-                </a:solidFill>
-              </a:rPr>
-              <a:t>*</a:t>
-            </a:r>
-            <a:r>
-              <a:rPr lang="en-US" sz="3200" dirty="0"/>
-              <a:t> </a:t>
-            </a:r>
-          </a:p>
-          <a:p>
-            <a:r>
-              <a:rPr lang="en-US" sz="3200" dirty="0"/>
-              <a:t>	FROM </a:t>
-            </a:r>
-            <a:r>
-              <a:rPr lang="en-US" sz="3200" dirty="0">
-                <a:solidFill>
-                  <a:srgbClr val="0070C0"/>
-                </a:solidFill>
-              </a:rPr>
-              <a:t>Book</a:t>
-            </a:r>
-            <a:r>
-              <a:rPr lang="en-US" sz="3200" dirty="0"/>
-              <a:t> </a:t>
-            </a:r>
-          </a:p>
-          <a:p>
-            <a:r>
-              <a:rPr lang="en-US" sz="3200" dirty="0"/>
-              <a:t>	WHERE price </a:t>
-            </a:r>
-            <a:r>
-              <a:rPr lang="en-US" sz="3200" dirty="0">
-                <a:solidFill>
-                  <a:srgbClr val="00B050"/>
-                </a:solidFill>
-              </a:rPr>
-              <a:t>&gt; 100.00 </a:t>
-            </a:r>
-          </a:p>
-          <a:p>
-            <a:r>
-              <a:rPr lang="en-US" sz="3200" dirty="0"/>
-              <a:t>ORDER BY </a:t>
-            </a:r>
-            <a:r>
-              <a:rPr lang="en-US" sz="3200" dirty="0">
-                <a:solidFill>
-                  <a:srgbClr val="B4009E"/>
-                </a:solidFill>
-              </a:rPr>
-              <a:t>title</a:t>
-            </a:r>
-            <a:r>
-              <a:rPr lang="en-US" sz="3200" dirty="0"/>
-              <a:t>;</a:t>
-            </a:r>
-            <a:endParaRPr lang="en-US" sz="3200" b="1" dirty="0">
-              <a:solidFill>
-                <a:schemeClr val="bg1"/>
-              </a:solidFill>
-            </a:endParaRPr>
+              <a:rPr lang="en-US" dirty="0"/>
+              <a:t>&lt;?PHP</a:t>
+            </a:r>
+          </a:p>
+          <a:p>
+            <a:r>
+              <a:rPr lang="en-US" dirty="0"/>
+              <a:t>	</a:t>
+            </a:r>
+          </a:p>
+          <a:p>
+            <a:r>
+              <a:rPr lang="en-US" dirty="0"/>
+              <a:t>	echo “Hello Everyone”;</a:t>
+            </a:r>
+          </a:p>
+          <a:p>
+            <a:endParaRPr lang="en-US" dirty="0"/>
+          </a:p>
+          <a:p>
+            <a:r>
+              <a:rPr lang="en-US" dirty="0"/>
+              <a:t>?&gt;</a:t>
+            </a:r>
           </a:p>
         </p:txBody>
       </p:sp>
     </p:spTree>
     <p:extLst>
       <p:ext uri="{BB962C8B-B14F-4D97-AF65-F5344CB8AC3E}">
-        <p14:creationId xmlns:p14="http://schemas.microsoft.com/office/powerpoint/2010/main" val="3939829753"/>
+        <p14:creationId xmlns:p14="http://schemas.microsoft.com/office/powerpoint/2010/main" val="4048555091"/>
       </p:ext>
     </p:extLst>
   </p:cSld>
@@ -22183,7 +22133,7 @@
                   <a:schemeClr val="bg1"/>
                 </a:solidFill>
               </a:rPr>
-              <a:t>PHP</a:t>
+              <a:t>SQL</a:t>
             </a:r>
             <a:br>
               <a:rPr lang="en-US" dirty="0">
@@ -22213,7 +22163,7 @@
         <p:spPr>
           <a:xfrm>
             <a:off x="274638" y="1221157"/>
-            <a:ext cx="11048999" cy="2876172"/>
+            <a:ext cx="11048999" cy="2252924"/>
           </a:xfrm>
         </p:spPr>
         <p:txBody>
@@ -22221,37 +22171,83 @@
           <a:lstStyle/>
           <a:p>
             <a:r>
-              <a:rPr lang="en-US" dirty="0"/>
-              <a:t>&lt;?PHP</a:t>
-            </a:r>
-          </a:p>
-          <a:p>
-            <a:r>
-              <a:rPr lang="en-US" dirty="0"/>
-              <a:t>	</a:t>
-            </a:r>
-          </a:p>
-          <a:p>
-            <a:r>
-              <a:rPr lang="en-US" dirty="0"/>
-              <a:t>	echo “Hello Everyone”;</a:t>
-            </a:r>
-          </a:p>
-          <a:p>
-            <a:endParaRPr lang="en-US" dirty="0"/>
-          </a:p>
-          <a:p>
-            <a:r>
-              <a:rPr lang="en-US" dirty="0"/>
-              <a:t>?&gt;</a:t>
-            </a:r>
+              <a:rPr lang="en-US" sz="3200" dirty="0"/>
+              <a:t>SELECT </a:t>
+            </a:r>
+            <a:r>
+              <a:rPr lang="en-US" sz="3200" dirty="0">
+                <a:solidFill>
+                  <a:srgbClr val="FF0000"/>
+                </a:solidFill>
+              </a:rPr>
+              <a:t>*</a:t>
+            </a:r>
+            <a:r>
+              <a:rPr lang="en-US" sz="3200" dirty="0"/>
+              <a:t> </a:t>
+            </a:r>
+          </a:p>
+          <a:p>
+            <a:r>
+              <a:rPr lang="en-US" sz="3200" dirty="0"/>
+              <a:t>	FROM </a:t>
+            </a:r>
+            <a:r>
+              <a:rPr lang="en-US" sz="3200" dirty="0">
+                <a:solidFill>
+                  <a:srgbClr val="0070C0"/>
+                </a:solidFill>
+              </a:rPr>
+              <a:t>Book</a:t>
+            </a:r>
+            <a:r>
+              <a:rPr lang="en-US" sz="3200" dirty="0"/>
+              <a:t> </a:t>
+            </a:r>
+          </a:p>
+          <a:p>
+            <a:r>
+              <a:rPr lang="en-US" sz="3200" dirty="0"/>
+              <a:t>	WHERE price </a:t>
+            </a:r>
+            <a:r>
+              <a:rPr lang="en-US" sz="3200" dirty="0">
+                <a:solidFill>
+                  <a:srgbClr val="00B050"/>
+                </a:solidFill>
+              </a:rPr>
+              <a:t>&gt; 100.00 </a:t>
+            </a:r>
+          </a:p>
+          <a:p>
+            <a:r>
+              <a:rPr lang="en-US" sz="3200" dirty="0"/>
+              <a:t>ORDER BY </a:t>
+            </a:r>
+            <a:r>
+              <a:rPr lang="en-US" sz="3200" dirty="0">
+                <a:solidFill>
+                  <a:srgbClr val="B4009E"/>
+                </a:solidFill>
+              </a:rPr>
+              <a:t>title</a:t>
+            </a:r>
+            <a:r>
+              <a:rPr lang="en-US" sz="3200" dirty="0"/>
+              <a:t>;</a:t>
+            </a:r>
+            <a:endParaRPr lang="en-US" sz="3200" b="1" dirty="0">
+              <a:solidFill>
+                <a:schemeClr val="bg1"/>
+              </a:solidFill>
+            </a:endParaRPr>
           </a:p>
         </p:txBody>
       </p:sp>
     </p:spTree>
     <p:extLst>
       <p:ext uri="{BB962C8B-B14F-4D97-AF65-F5344CB8AC3E}">
-        <p14:creationId xmlns:p14="http://schemas.microsoft.com/office/powerpoint/2010/main" val="4048555091"/>
+        <p14:creationId xmlns:p14="http://schemas.microsoft.com/office/powerpoint/2010/main" val="3939829753"/>
       </p:ext>
     </p:extLst>
   </p:cSld>
@@ -31189,7 +31185,7 @@
           </a:lstStyle>
           <a:p>
             <a:r>
-              <a:rPr lang="en-US"/>
+              <a:rPr lang="en-US" dirty="0"/>
               <a:t>http://bit.ly/2nxB859</a:t>
             </a:r>
           </a:p>
@@ -35159,12 +35155,6 @@
 </file>
 
 <file path=customXml/item1.xml><?xml version="1.0" encoding="utf-8"?>
-<p:properties xmlns:p="http://schemas.microsoft.com/office/2006/metadata/properties" xmlns:xsi="http://www.w3.org/2001/XMLSchema-instance" xmlns:pc="http://schemas.microsoft.com/office/infopath/2007/PartnerControls">
-  <documentManagement/>
-</p:properties>
-</file>
-
-<file path=customXml/item2.xml><?xml version="1.0" encoding="utf-8"?>
 <?mso-contentType ?>
 <FormTemplates xmlns="http://schemas.microsoft.com/sharepoint/v3/contenttype/forms">
   <Display>DocumentLibraryForm</Display>
@@ -35173,7 +35163,7 @@
 </FormTemplates>
 </file>
 
-<file path=customXml/item3.xml><?xml version="1.0" encoding="utf-8"?>
+<file path=customXml/item2.xml><?xml version="1.0" encoding="utf-8"?>
 <ct:contentTypeSchema xmlns:ct="http://schemas.microsoft.com/office/2006/metadata/contentType" xmlns:ma="http://schemas.microsoft.com/office/2006/metadata/properties/metaAttributes" ct:_="" ma:_="" ma:contentTypeName="Document" ma:contentTypeID="0x010100A2B0BB5962AB3C45A9A1CE1EC4C4F647" ma:contentTypeVersion="3" ma:contentTypeDescription="Create a new document." ma:contentTypeScope="" ma:versionID="f0876370c90de824ab54c09b0bd2a056">
   <xsd:schema xmlns:xsd="http://www.w3.org/2001/XMLSchema" xmlns:xs="http://www.w3.org/2001/XMLSchema" xmlns:p="http://schemas.microsoft.com/office/2006/metadata/properties" xmlns:ns3="630a2e83-186a-4a0f-ab27-bee8a8096abc" targetNamespace="http://schemas.microsoft.com/office/2006/metadata/properties" ma:root="true" ma:fieldsID="a2a3b5ed8b4accd7c8a398d0cb075271" ns3:_="">
     <xsd:import namespace="630a2e83-186a-4a0f-ab27-bee8a8096abc"/>
@@ -35327,23 +35317,13 @@
 </ct:contentTypeSchema>
 </file>
 
-<file path=customXml/itemProps1.xml><?xml version="1.0" encoding="utf-8"?>
-<ds:datastoreItem xmlns:ds="http://schemas.openxmlformats.org/officeDocument/2006/customXml" ds:itemID="{F990F116-B58F-4255-B05B-DA3808E0E5C6}">
-  <ds:schemaRefs>
-    <ds:schemaRef ds:uri="http://purl.org/dc/terms/"/>
-    <ds:schemaRef ds:uri="http://schemas.openxmlformats.org/package/2006/metadata/core-properties"/>
-    <ds:schemaRef ds:uri="630a2e83-186a-4a0f-ab27-bee8a8096abc"/>
-    <ds:schemaRef ds:uri="http://purl.org/dc/dcmitype/"/>
-    <ds:schemaRef ds:uri="http://schemas.microsoft.com/office/infopath/2007/PartnerControls"/>
-    <ds:schemaRef ds:uri="http://purl.org/dc/elements/1.1/"/>
-    <ds:schemaRef ds:uri="http://schemas.microsoft.com/office/2006/documentManagement/types"/>
-    <ds:schemaRef ds:uri="http://schemas.microsoft.com/office/2006/metadata/properties"/>
-    <ds:schemaRef ds:uri="http://www.w3.org/XML/1998/namespace"/>
-  </ds:schemaRefs>
-</ds:datastoreItem>
+<file path=customXml/item3.xml><?xml version="1.0" encoding="utf-8"?>
+<p:properties xmlns:p="http://schemas.microsoft.com/office/2006/metadata/properties" xmlns:xsi="http://www.w3.org/2001/XMLSchema-instance" xmlns:pc="http://schemas.microsoft.com/office/infopath/2007/PartnerControls">
+  <documentManagement/>
+</p:properties>
 </file>
 
-<file path=customXml/itemProps2.xml><?xml version="1.0" encoding="utf-8"?>
+<file path=customXml/itemProps1.xml><?xml version="1.0" encoding="utf-8"?>
 <ds:datastoreItem xmlns:ds="http://schemas.openxmlformats.org/officeDocument/2006/customXml" ds:itemID="{758FDAC0-319D-4A54-8D8E-1D42CB1F8004}">
   <ds:schemaRefs>
     <ds:schemaRef ds:uri="http://schemas.microsoft.com/sharepoint/v3/contenttype/forms"/>
@@ -35351,7 +35331,7 @@
 </ds:datastoreItem>
 </file>
 
-<file path=customXml/itemProps3.xml><?xml version="1.0" encoding="utf-8"?>
+<file path=customXml/itemProps2.xml><?xml version="1.0" encoding="utf-8"?>
 <ds:datastoreItem xmlns:ds="http://schemas.openxmlformats.org/officeDocument/2006/customXml" ds:itemID="{A57F4CF9-F78A-44CC-A3DD-BB8B8C12128D}">
   <ds:schemaRefs>
     <ds:schemaRef ds:uri="http://schemas.microsoft.com/office/2006/metadata/contentType"/>
@@ -35367,4 +35347,20 @@
     <ds:schemaRef ds:uri="http://schemas.microsoft.com/internal/obd"/>
   </ds:schemaRefs>
 </ds:datastoreItem>
+</file>
+
+<file path=customXml/itemProps3.xml><?xml version="1.0" encoding="utf-8"?>
+<ds:datastoreItem xmlns:ds="http://schemas.openxmlformats.org/officeDocument/2006/customXml" ds:itemID="{F990F116-B58F-4255-B05B-DA3808E0E5C6}">
+  <ds:schemaRefs>
+    <ds:schemaRef ds:uri="http://purl.org/dc/terms/"/>
+    <ds:schemaRef ds:uri="http://schemas.openxmlformats.org/package/2006/metadata/core-properties"/>
+    <ds:schemaRef ds:uri="630a2e83-186a-4a0f-ab27-bee8a8096abc"/>
+    <ds:schemaRef ds:uri="http://purl.org/dc/dcmitype/"/>
+    <ds:schemaRef ds:uri="http://schemas.microsoft.com/office/infopath/2007/PartnerControls"/>
+    <ds:schemaRef ds:uri="http://purl.org/dc/elements/1.1/"/>
+    <ds:schemaRef ds:uri="http://schemas.microsoft.com/office/2006/documentManagement/types"/>
+    <ds:schemaRef ds:uri="http://schemas.microsoft.com/office/2006/metadata/properties"/>
+    <ds:schemaRef ds:uri="http://www.w3.org/XML/1998/namespace"/>
+  </ds:schemaRefs>
+</ds:datastoreItem>
 </file>